--- a/doc/slides.pptx
+++ b/doc/slides.pptx
@@ -6,8 +6,8 @@
   </p:sldMasterIdLst>
   <p:sldIdLst>
     <p:sldId id="256" r:id="rId2"/>
-    <p:sldId id="257" r:id="rId3"/>
-    <p:sldId id="275" r:id="rId4"/>
+    <p:sldId id="275" r:id="rId3"/>
+    <p:sldId id="276" r:id="rId4"/>
     <p:sldId id="258" r:id="rId5"/>
     <p:sldId id="259" r:id="rId6"/>
     <p:sldId id="260" r:id="rId7"/>
@@ -317,7 +317,7 @@
           <a:p>
             <a:fld id="{B724BA4E-6C81-45A2-B56C-200DDE7DC7AA}" type="datetimeFigureOut">
               <a:rPr lang="en-GB" smtClean="0"/>
-              <a:t>01/12/2021</a:t>
+              <a:t>02/12/2021</a:t>
             </a:fld>
             <a:endParaRPr lang="en-GB"/>
           </a:p>
@@ -592,7 +592,7 @@
           <a:p>
             <a:fld id="{B724BA4E-6C81-45A2-B56C-200DDE7DC7AA}" type="datetimeFigureOut">
               <a:rPr lang="en-GB" smtClean="0"/>
-              <a:t>01/12/2021</a:t>
+              <a:t>02/12/2021</a:t>
             </a:fld>
             <a:endParaRPr lang="en-GB"/>
           </a:p>
@@ -786,7 +786,7 @@
           <a:p>
             <a:fld id="{B724BA4E-6C81-45A2-B56C-200DDE7DC7AA}" type="datetimeFigureOut">
               <a:rPr lang="en-GB" smtClean="0"/>
-              <a:t>01/12/2021</a:t>
+              <a:t>02/12/2021</a:t>
             </a:fld>
             <a:endParaRPr lang="en-GB"/>
           </a:p>
@@ -1059,7 +1059,7 @@
           <a:p>
             <a:fld id="{B724BA4E-6C81-45A2-B56C-200DDE7DC7AA}" type="datetimeFigureOut">
               <a:rPr lang="en-GB" smtClean="0"/>
-              <a:t>01/12/2021</a:t>
+              <a:t>02/12/2021</a:t>
             </a:fld>
             <a:endParaRPr lang="en-GB"/>
           </a:p>
@@ -1400,7 +1400,7 @@
           <a:p>
             <a:fld id="{B724BA4E-6C81-45A2-B56C-200DDE7DC7AA}" type="datetimeFigureOut">
               <a:rPr lang="en-GB" smtClean="0"/>
-              <a:t>01/12/2021</a:t>
+              <a:t>02/12/2021</a:t>
             </a:fld>
             <a:endParaRPr lang="en-GB"/>
           </a:p>
@@ -2023,7 +2023,7 @@
           <a:p>
             <a:fld id="{B724BA4E-6C81-45A2-B56C-200DDE7DC7AA}" type="datetimeFigureOut">
               <a:rPr lang="en-GB" smtClean="0"/>
-              <a:t>01/12/2021</a:t>
+              <a:t>02/12/2021</a:t>
             </a:fld>
             <a:endParaRPr lang="en-GB"/>
           </a:p>
@@ -2883,7 +2883,7 @@
           <a:p>
             <a:fld id="{B724BA4E-6C81-45A2-B56C-200DDE7DC7AA}" type="datetimeFigureOut">
               <a:rPr lang="en-GB" smtClean="0"/>
-              <a:t>01/12/2021</a:t>
+              <a:t>02/12/2021</a:t>
             </a:fld>
             <a:endParaRPr lang="en-GB"/>
           </a:p>
@@ -3053,7 +3053,7 @@
           <a:p>
             <a:fld id="{B724BA4E-6C81-45A2-B56C-200DDE7DC7AA}" type="datetimeFigureOut">
               <a:rPr lang="en-GB" smtClean="0"/>
-              <a:t>01/12/2021</a:t>
+              <a:t>02/12/2021</a:t>
             </a:fld>
             <a:endParaRPr lang="en-GB"/>
           </a:p>
@@ -3233,7 +3233,7 @@
           <a:p>
             <a:fld id="{B724BA4E-6C81-45A2-B56C-200DDE7DC7AA}" type="datetimeFigureOut">
               <a:rPr lang="en-GB" smtClean="0"/>
-              <a:t>01/12/2021</a:t>
+              <a:t>02/12/2021</a:t>
             </a:fld>
             <a:endParaRPr lang="en-GB"/>
           </a:p>
@@ -3403,7 +3403,7 @@
           <a:p>
             <a:fld id="{B724BA4E-6C81-45A2-B56C-200DDE7DC7AA}" type="datetimeFigureOut">
               <a:rPr lang="en-GB" smtClean="0"/>
-              <a:t>01/12/2021</a:t>
+              <a:t>02/12/2021</a:t>
             </a:fld>
             <a:endParaRPr lang="en-GB"/>
           </a:p>
@@ -3650,7 +3650,7 @@
           <a:p>
             <a:fld id="{B724BA4E-6C81-45A2-B56C-200DDE7DC7AA}" type="datetimeFigureOut">
               <a:rPr lang="en-GB" smtClean="0"/>
-              <a:t>01/12/2021</a:t>
+              <a:t>02/12/2021</a:t>
             </a:fld>
             <a:endParaRPr lang="en-GB"/>
           </a:p>
@@ -3942,7 +3942,7 @@
           <a:p>
             <a:fld id="{B724BA4E-6C81-45A2-B56C-200DDE7DC7AA}" type="datetimeFigureOut">
               <a:rPr lang="en-GB" smtClean="0"/>
-              <a:t>01/12/2021</a:t>
+              <a:t>02/12/2021</a:t>
             </a:fld>
             <a:endParaRPr lang="en-GB"/>
           </a:p>
@@ -4386,7 +4386,7 @@
           <a:p>
             <a:fld id="{B724BA4E-6C81-45A2-B56C-200DDE7DC7AA}" type="datetimeFigureOut">
               <a:rPr lang="en-GB" smtClean="0"/>
-              <a:t>01/12/2021</a:t>
+              <a:t>02/12/2021</a:t>
             </a:fld>
             <a:endParaRPr lang="en-GB"/>
           </a:p>
@@ -4504,7 +4504,7 @@
           <a:p>
             <a:fld id="{B724BA4E-6C81-45A2-B56C-200DDE7DC7AA}" type="datetimeFigureOut">
               <a:rPr lang="en-GB" smtClean="0"/>
-              <a:t>01/12/2021</a:t>
+              <a:t>02/12/2021</a:t>
             </a:fld>
             <a:endParaRPr lang="en-GB"/>
           </a:p>
@@ -4599,7 +4599,7 @@
           <a:p>
             <a:fld id="{B724BA4E-6C81-45A2-B56C-200DDE7DC7AA}" type="datetimeFigureOut">
               <a:rPr lang="en-GB" smtClean="0"/>
-              <a:t>01/12/2021</a:t>
+              <a:t>02/12/2021</a:t>
             </a:fld>
             <a:endParaRPr lang="en-GB"/>
           </a:p>
@@ -4878,7 +4878,7 @@
           <a:p>
             <a:fld id="{B724BA4E-6C81-45A2-B56C-200DDE7DC7AA}" type="datetimeFigureOut">
               <a:rPr lang="en-GB" smtClean="0"/>
-              <a:t>01/12/2021</a:t>
+              <a:t>02/12/2021</a:t>
             </a:fld>
             <a:endParaRPr lang="en-GB"/>
           </a:p>
@@ -5153,7 +5153,7 @@
           <a:p>
             <a:fld id="{B724BA4E-6C81-45A2-B56C-200DDE7DC7AA}" type="datetimeFigureOut">
               <a:rPr lang="en-GB" smtClean="0"/>
-              <a:t>01/12/2021</a:t>
+              <a:t>02/12/2021</a:t>
             </a:fld>
             <a:endParaRPr lang="en-GB"/>
           </a:p>
@@ -5582,7 +5582,7 @@
           <a:p>
             <a:fld id="{B724BA4E-6C81-45A2-B56C-200DDE7DC7AA}" type="datetimeFigureOut">
               <a:rPr lang="en-GB" smtClean="0"/>
-              <a:t>01/12/2021</a:t>
+              <a:t>02/12/2021</a:t>
             </a:fld>
             <a:endParaRPr lang="en-GB"/>
           </a:p>
@@ -7129,7 +7129,7 @@
           <a:p>
             <a:r>
               <a:rPr lang="en-SG" dirty="0"/>
-              <a:t>Presentation Overview</a:t>
+              <a:t>GitLab Repository</a:t>
             </a:r>
             <a:endParaRPr lang="en-GB" dirty="0"/>
           </a:p>
@@ -7151,44 +7151,70 @@
             <p:ph idx="1"/>
           </p:nvPr>
         </p:nvSpPr>
-        <p:spPr/>
+        <p:spPr>
+          <a:xfrm>
+            <a:off x="1103313" y="2052918"/>
+            <a:ext cx="4648902" cy="4195481"/>
+          </a:xfrm>
+        </p:spPr>
         <p:txBody>
           <a:bodyPr/>
           <a:lstStyle/>
           <a:p>
             <a:r>
               <a:rPr lang="en-SG" dirty="0"/>
-              <a:t>Machine Learning Model</a:t>
-            </a:r>
-          </a:p>
-          <a:p>
-            <a:pPr lvl="1"/>
+              <a:t>The repository can be found at </a:t>
+            </a:r>
+            <a:r>
+              <a:rPr lang="en-SG" dirty="0">
+                <a:hlinkClick r:id="rId2"/>
+              </a:rPr>
+              <a:t>https://gitlab.com/2b03.2012085.ethantan/ca1-2b03-2012085-ethantan.git</a:t>
+            </a:r>
             <a:r>
               <a:rPr lang="en-SG" dirty="0"/>
-              <a:t>Importing Data</a:t>
-            </a:r>
-          </a:p>
-          <a:p>
-            <a:pPr lvl="1"/>
-            <a:r>
-              <a:rPr lang="en-SG"/>
-              <a:t>Data Inspection</a:t>
-            </a:r>
-          </a:p>
-          <a:p>
-            <a:pPr lvl="1"/>
+              <a:t>, as indicated in README.md</a:t>
+            </a:r>
+          </a:p>
+          <a:p>
             <a:endParaRPr lang="en-SG" dirty="0"/>
           </a:p>
-          <a:p>
-            <a:pPr lvl="1"/>
-            <a:endParaRPr lang="en-SG" dirty="0"/>
-          </a:p>
-        </p:txBody>
-      </p:sp>
+        </p:txBody>
+      </p:sp>
+      <p:pic>
+        <p:nvPicPr>
+          <p:cNvPr id="5" name="Picture 4">
+            <a:extLst>
+              <a:ext uri="{FF2B5EF4-FFF2-40B4-BE49-F238E27FC236}">
+                <a16:creationId xmlns:a16="http://schemas.microsoft.com/office/drawing/2014/main" id="{7080CCFC-5F70-4658-8E20-6E55FE17BBCF}"/>
+              </a:ext>
+            </a:extLst>
+          </p:cNvPr>
+          <p:cNvPicPr>
+            <a:picLocks noChangeAspect="1"/>
+          </p:cNvPicPr>
+          <p:nvPr/>
+        </p:nvPicPr>
+        <p:blipFill>
+          <a:blip r:embed="rId3"/>
+          <a:stretch>
+            <a:fillRect/>
+          </a:stretch>
+        </p:blipFill>
+        <p:spPr>
+          <a:xfrm>
+            <a:off x="5752215" y="253048"/>
+            <a:ext cx="6173061" cy="1228896"/>
+          </a:xfrm>
+          <a:prstGeom prst="rect">
+            <a:avLst/>
+          </a:prstGeom>
+        </p:spPr>
+      </p:pic>
     </p:spTree>
     <p:extLst>
       <p:ext uri="{BB962C8B-B14F-4D97-AF65-F5344CB8AC3E}">
-        <p14:creationId xmlns:p14="http://schemas.microsoft.com/office/powerpoint/2010/main" val="744261075"/>
+        <p14:creationId xmlns:p14="http://schemas.microsoft.com/office/powerpoint/2010/main" val="3114110568"/>
       </p:ext>
     </p:extLst>
   </p:cSld>
@@ -7378,7 +7404,7 @@
     </p:spTree>
     <p:extLst>
       <p:ext uri="{BB962C8B-B14F-4D97-AF65-F5344CB8AC3E}">
-        <p14:creationId xmlns:p14="http://schemas.microsoft.com/office/powerpoint/2010/main" val="3114110568"/>
+        <p14:creationId xmlns:p14="http://schemas.microsoft.com/office/powerpoint/2010/main" val="4199896422"/>
       </p:ext>
     </p:extLst>
   </p:cSld>

--- a/doc/slides.pptx
+++ b/doc/slides.pptx
@@ -7,24 +7,22 @@
   <p:sldIdLst>
     <p:sldId id="256" r:id="rId2"/>
     <p:sldId id="275" r:id="rId3"/>
-    <p:sldId id="276" r:id="rId4"/>
-    <p:sldId id="258" r:id="rId5"/>
-    <p:sldId id="259" r:id="rId6"/>
-    <p:sldId id="260" r:id="rId7"/>
-    <p:sldId id="261" r:id="rId8"/>
-    <p:sldId id="262" r:id="rId9"/>
-    <p:sldId id="263" r:id="rId10"/>
-    <p:sldId id="264" r:id="rId11"/>
-    <p:sldId id="265" r:id="rId12"/>
-    <p:sldId id="274" r:id="rId13"/>
-    <p:sldId id="266" r:id="rId14"/>
-    <p:sldId id="273" r:id="rId15"/>
-    <p:sldId id="267" r:id="rId16"/>
-    <p:sldId id="268" r:id="rId17"/>
-    <p:sldId id="269" r:id="rId18"/>
-    <p:sldId id="270" r:id="rId19"/>
-    <p:sldId id="271" r:id="rId20"/>
-    <p:sldId id="272" r:id="rId21"/>
+    <p:sldId id="277" r:id="rId4"/>
+    <p:sldId id="291" r:id="rId5"/>
+    <p:sldId id="260" r:id="rId6"/>
+    <p:sldId id="261" r:id="rId7"/>
+    <p:sldId id="276" r:id="rId8"/>
+    <p:sldId id="279" r:id="rId9"/>
+    <p:sldId id="280" r:id="rId10"/>
+    <p:sldId id="281" r:id="rId11"/>
+    <p:sldId id="282" r:id="rId12"/>
+    <p:sldId id="283" r:id="rId13"/>
+    <p:sldId id="284" r:id="rId14"/>
+    <p:sldId id="285" r:id="rId15"/>
+    <p:sldId id="290" r:id="rId16"/>
+    <p:sldId id="286" r:id="rId17"/>
+    <p:sldId id="287" r:id="rId18"/>
+    <p:sldId id="278" r:id="rId19"/>
   </p:sldIdLst>
   <p:sldSz cx="12192000" cy="6858000"/>
   <p:notesSz cx="6858000" cy="9144000"/>
@@ -6289,7 +6287,7 @@
           <a:p>
             <a:r>
               <a:rPr lang="en-SG" dirty="0"/>
-              <a:t>Wireframe</a:t>
+              <a:t>Backend – Obtain Prediction</a:t>
             </a:r>
             <a:endParaRPr lang="en-GB" dirty="0"/>
           </a:p>
@@ -6297,10 +6295,10 @@
       </p:sp>
       <p:sp>
         <p:nvSpPr>
-          <p:cNvPr id="6" name="Content Placeholder 5">
+          <p:cNvPr id="3" name="Content Placeholder 2">
             <a:extLst>
               <a:ext uri="{FF2B5EF4-FFF2-40B4-BE49-F238E27FC236}">
-                <a16:creationId xmlns:a16="http://schemas.microsoft.com/office/drawing/2014/main" id="{E2A0C1B4-1B93-4882-92C7-31DED519051E}"/>
+                <a16:creationId xmlns:a16="http://schemas.microsoft.com/office/drawing/2014/main" id="{66054C13-88B9-4848-8438-1D7248612213}"/>
               </a:ext>
             </a:extLst>
           </p:cNvPr>
@@ -6311,19 +6309,83 @@
             <p:ph idx="1"/>
           </p:nvPr>
         </p:nvSpPr>
-        <p:spPr/>
-        <p:txBody>
-          <a:bodyPr/>
-          <a:lstStyle/>
-          <a:p>
-            <a:endParaRPr lang="en-GB" dirty="0"/>
-          </a:p>
-        </p:txBody>
-      </p:sp>
+        <p:spPr>
+          <a:xfrm>
+            <a:off x="773702" y="2052084"/>
+            <a:ext cx="4972766" cy="3625702"/>
+          </a:xfrm>
+        </p:spPr>
+        <p:txBody>
+          <a:bodyPr>
+            <a:normAutofit/>
+          </a:bodyPr>
+          <a:lstStyle/>
+          <a:p>
+            <a:pPr>
+              <a:spcBef>
+                <a:spcPts val="1800"/>
+              </a:spcBef>
+            </a:pPr>
+            <a:r>
+              <a:rPr lang="en-SG" sz="2400" dirty="0"/>
+              <a:t>Once the prediction is sent, the data is posted to /</a:t>
+            </a:r>
+            <a:r>
+              <a:rPr lang="en-SG" sz="2400" dirty="0" err="1"/>
+              <a:t>api</a:t>
+            </a:r>
+            <a:r>
+              <a:rPr lang="en-SG" sz="2400" dirty="0"/>
+              <a:t>/predict to obtain the predicted resale price</a:t>
+            </a:r>
+          </a:p>
+          <a:p>
+            <a:pPr>
+              <a:spcBef>
+                <a:spcPts val="1800"/>
+              </a:spcBef>
+            </a:pPr>
+            <a:r>
+              <a:rPr lang="en-SG" sz="2400" dirty="0"/>
+              <a:t>The predicted price is capped at a minimum of S$5000, because that was the lowest value in the dataset</a:t>
+            </a:r>
+          </a:p>
+        </p:txBody>
+      </p:sp>
+      <p:pic>
+        <p:nvPicPr>
+          <p:cNvPr id="11" name="Picture 10">
+            <a:extLst>
+              <a:ext uri="{FF2B5EF4-FFF2-40B4-BE49-F238E27FC236}">
+                <a16:creationId xmlns:a16="http://schemas.microsoft.com/office/drawing/2014/main" id="{41EDCEAF-CCBA-4902-BA21-6F534AC2EA27}"/>
+              </a:ext>
+            </a:extLst>
+          </p:cNvPr>
+          <p:cNvPicPr>
+            <a:picLocks noChangeAspect="1"/>
+          </p:cNvPicPr>
+          <p:nvPr/>
+        </p:nvPicPr>
+        <p:blipFill>
+          <a:blip r:embed="rId2"/>
+          <a:stretch>
+            <a:fillRect/>
+          </a:stretch>
+        </p:blipFill>
+        <p:spPr>
+          <a:xfrm>
+            <a:off x="6096000" y="2052084"/>
+            <a:ext cx="5504325" cy="2111248"/>
+          </a:xfrm>
+          <a:prstGeom prst="rect">
+            <a:avLst/>
+          </a:prstGeom>
+        </p:spPr>
+      </p:pic>
     </p:spTree>
     <p:extLst>
       <p:ext uri="{BB962C8B-B14F-4D97-AF65-F5344CB8AC3E}">
-        <p14:creationId xmlns:p14="http://schemas.microsoft.com/office/powerpoint/2010/main" val="1299342986"/>
+        <p14:creationId xmlns:p14="http://schemas.microsoft.com/office/powerpoint/2010/main" val="1449866573"/>
       </p:ext>
     </p:extLst>
   </p:cSld>
@@ -6373,7 +6435,7 @@
           <a:p>
             <a:r>
               <a:rPr lang="en-SG" dirty="0"/>
-              <a:t>User Interface</a:t>
+              <a:t>Backend – Store Prediction</a:t>
             </a:r>
             <a:endParaRPr lang="en-GB" dirty="0"/>
           </a:p>
@@ -6381,10 +6443,10 @@
       </p:sp>
       <p:sp>
         <p:nvSpPr>
-          <p:cNvPr id="6" name="Content Placeholder 5">
+          <p:cNvPr id="3" name="Content Placeholder 2">
             <a:extLst>
               <a:ext uri="{FF2B5EF4-FFF2-40B4-BE49-F238E27FC236}">
-                <a16:creationId xmlns:a16="http://schemas.microsoft.com/office/drawing/2014/main" id="{E2A0C1B4-1B93-4882-92C7-31DED519051E}"/>
+                <a16:creationId xmlns:a16="http://schemas.microsoft.com/office/drawing/2014/main" id="{66054C13-88B9-4848-8438-1D7248612213}"/>
               </a:ext>
             </a:extLst>
           </p:cNvPr>
@@ -6395,19 +6457,86 @@
             <p:ph idx="1"/>
           </p:nvPr>
         </p:nvSpPr>
-        <p:spPr/>
-        <p:txBody>
-          <a:bodyPr/>
-          <a:lstStyle/>
-          <a:p>
-            <a:endParaRPr lang="en-GB" dirty="0"/>
-          </a:p>
-        </p:txBody>
-      </p:sp>
+        <p:spPr>
+          <a:xfrm>
+            <a:off x="773702" y="2052084"/>
+            <a:ext cx="4972766" cy="4274288"/>
+          </a:xfrm>
+        </p:spPr>
+        <p:txBody>
+          <a:bodyPr>
+            <a:normAutofit/>
+          </a:bodyPr>
+          <a:lstStyle/>
+          <a:p>
+            <a:pPr>
+              <a:spcBef>
+                <a:spcPts val="1800"/>
+              </a:spcBef>
+            </a:pPr>
+            <a:r>
+              <a:rPr lang="en-SG" sz="2400" dirty="0"/>
+              <a:t>SQLAlchemy ORM was used to model and save data to the database for data persistence</a:t>
+            </a:r>
+          </a:p>
+          <a:p>
+            <a:pPr>
+              <a:spcBef>
+                <a:spcPts val="1800"/>
+              </a:spcBef>
+            </a:pPr>
+            <a:r>
+              <a:rPr lang="en-SG" sz="2400" dirty="0"/>
+              <a:t>The database engine used is SQLite</a:t>
+            </a:r>
+          </a:p>
+          <a:p>
+            <a:pPr>
+              <a:spcBef>
+                <a:spcPts val="1800"/>
+              </a:spcBef>
+            </a:pPr>
+            <a:r>
+              <a:rPr lang="en-SG" sz="2400" dirty="0"/>
+              <a:t>The predictions are tagged by user id so that users can only view their own past predictions</a:t>
+            </a:r>
+          </a:p>
+        </p:txBody>
+      </p:sp>
+      <p:pic>
+        <p:nvPicPr>
+          <p:cNvPr id="5" name="Picture 4">
+            <a:extLst>
+              <a:ext uri="{FF2B5EF4-FFF2-40B4-BE49-F238E27FC236}">
+                <a16:creationId xmlns:a16="http://schemas.microsoft.com/office/drawing/2014/main" id="{3E8BF7ED-D769-4140-BF23-2DBC400BD86E}"/>
+              </a:ext>
+            </a:extLst>
+          </p:cNvPr>
+          <p:cNvPicPr>
+            <a:picLocks noChangeAspect="1"/>
+          </p:cNvPicPr>
+          <p:nvPr/>
+        </p:nvPicPr>
+        <p:blipFill>
+          <a:blip r:embed="rId2"/>
+          <a:stretch>
+            <a:fillRect/>
+          </a:stretch>
+        </p:blipFill>
+        <p:spPr>
+          <a:xfrm>
+            <a:off x="6328884" y="2052084"/>
+            <a:ext cx="4816779" cy="3329540"/>
+          </a:xfrm>
+          <a:prstGeom prst="rect">
+            <a:avLst/>
+          </a:prstGeom>
+        </p:spPr>
+      </p:pic>
     </p:spTree>
     <p:extLst>
       <p:ext uri="{BB962C8B-B14F-4D97-AF65-F5344CB8AC3E}">
-        <p14:creationId xmlns:p14="http://schemas.microsoft.com/office/powerpoint/2010/main" val="3554264923"/>
+        <p14:creationId xmlns:p14="http://schemas.microsoft.com/office/powerpoint/2010/main" val="1572693555"/>
       </p:ext>
     </p:extLst>
   </p:cSld>
@@ -6450,14 +6579,19 @@
             <p:ph type="title"/>
           </p:nvPr>
         </p:nvSpPr>
-        <p:spPr/>
+        <p:spPr>
+          <a:xfrm>
+            <a:off x="646112" y="452718"/>
+            <a:ext cx="9422922" cy="1400530"/>
+          </a:xfrm>
+        </p:spPr>
         <p:txBody>
           <a:bodyPr/>
           <a:lstStyle/>
           <a:p>
             <a:r>
               <a:rPr lang="en-SG" dirty="0"/>
-              <a:t>User Interface</a:t>
+              <a:t>Backend – Review History of Predictions</a:t>
             </a:r>
             <a:endParaRPr lang="en-GB" dirty="0"/>
           </a:p>
@@ -6465,10 +6599,10 @@
       </p:sp>
       <p:sp>
         <p:nvSpPr>
-          <p:cNvPr id="6" name="Content Placeholder 5">
+          <p:cNvPr id="3" name="Content Placeholder 2">
             <a:extLst>
               <a:ext uri="{FF2B5EF4-FFF2-40B4-BE49-F238E27FC236}">
-                <a16:creationId xmlns:a16="http://schemas.microsoft.com/office/drawing/2014/main" id="{E2A0C1B4-1B93-4882-92C7-31DED519051E}"/>
+                <a16:creationId xmlns:a16="http://schemas.microsoft.com/office/drawing/2014/main" id="{66054C13-88B9-4848-8438-1D7248612213}"/>
               </a:ext>
             </a:extLst>
           </p:cNvPr>
@@ -6479,19 +6613,83 @@
             <p:ph idx="1"/>
           </p:nvPr>
         </p:nvSpPr>
-        <p:spPr/>
-        <p:txBody>
-          <a:bodyPr/>
-          <a:lstStyle/>
-          <a:p>
-            <a:endParaRPr lang="en-GB" dirty="0"/>
-          </a:p>
-        </p:txBody>
-      </p:sp>
+        <p:spPr>
+          <a:xfrm>
+            <a:off x="815697" y="4221126"/>
+            <a:ext cx="10295327" cy="1919390"/>
+          </a:xfrm>
+        </p:spPr>
+        <p:txBody>
+          <a:bodyPr>
+            <a:normAutofit/>
+          </a:bodyPr>
+          <a:lstStyle/>
+          <a:p>
+            <a:pPr>
+              <a:spcBef>
+                <a:spcPts val="1800"/>
+              </a:spcBef>
+            </a:pPr>
+            <a:r>
+              <a:rPr lang="en-SG" sz="2400" dirty="0"/>
+              <a:t>At the website, once a user is logged in, he/she is able to view all his/her past predictions under </a:t>
+            </a:r>
+            <a:r>
+              <a:rPr lang="en-SG" sz="2400" dirty="0">
+                <a:solidFill>
+                  <a:srgbClr val="FFFF00"/>
+                </a:solidFill>
+              </a:rPr>
+              <a:t>Home &gt; Prediction History</a:t>
+            </a:r>
+          </a:p>
+          <a:p>
+            <a:pPr>
+              <a:spcBef>
+                <a:spcPts val="1800"/>
+              </a:spcBef>
+            </a:pPr>
+            <a:r>
+              <a:rPr lang="en-SG" sz="2400" dirty="0"/>
+              <a:t>Above the prediction history table, regression plots for the latest prediction will be displayed (if there is at least one record)</a:t>
+            </a:r>
+          </a:p>
+        </p:txBody>
+      </p:sp>
+      <p:pic>
+        <p:nvPicPr>
+          <p:cNvPr id="6" name="Picture 5">
+            <a:extLst>
+              <a:ext uri="{FF2B5EF4-FFF2-40B4-BE49-F238E27FC236}">
+                <a16:creationId xmlns:a16="http://schemas.microsoft.com/office/drawing/2014/main" id="{3EB61144-F06D-4034-A6BE-9A00EACEB459}"/>
+              </a:ext>
+            </a:extLst>
+          </p:cNvPr>
+          <p:cNvPicPr>
+            <a:picLocks noChangeAspect="1"/>
+          </p:cNvPicPr>
+          <p:nvPr/>
+        </p:nvPicPr>
+        <p:blipFill>
+          <a:blip r:embed="rId2"/>
+          <a:stretch>
+            <a:fillRect/>
+          </a:stretch>
+        </p:blipFill>
+        <p:spPr>
+          <a:xfrm>
+            <a:off x="902318" y="2136185"/>
+            <a:ext cx="10208706" cy="1701451"/>
+          </a:xfrm>
+          <a:prstGeom prst="rect">
+            <a:avLst/>
+          </a:prstGeom>
+        </p:spPr>
+      </p:pic>
     </p:spTree>
     <p:extLst>
       <p:ext uri="{BB962C8B-B14F-4D97-AF65-F5344CB8AC3E}">
-        <p14:creationId xmlns:p14="http://schemas.microsoft.com/office/powerpoint/2010/main" val="2044361472"/>
+        <p14:creationId xmlns:p14="http://schemas.microsoft.com/office/powerpoint/2010/main" val="243237719"/>
       </p:ext>
     </p:extLst>
   </p:cSld>
@@ -6534,14 +6732,19 @@
             <p:ph type="title"/>
           </p:nvPr>
         </p:nvSpPr>
-        <p:spPr/>
+        <p:spPr>
+          <a:xfrm>
+            <a:off x="646112" y="452718"/>
+            <a:ext cx="9422922" cy="1400530"/>
+          </a:xfrm>
+        </p:spPr>
         <p:txBody>
           <a:bodyPr/>
           <a:lstStyle/>
           <a:p>
             <a:r>
               <a:rPr lang="en-SG" dirty="0"/>
-              <a:t>Login Credentials</a:t>
+              <a:t>Backend – Login Credentials</a:t>
             </a:r>
             <a:endParaRPr lang="en-GB" dirty="0"/>
           </a:p>
@@ -6549,10 +6752,10 @@
       </p:sp>
       <p:sp>
         <p:nvSpPr>
-          <p:cNvPr id="6" name="Content Placeholder 5">
+          <p:cNvPr id="3" name="Content Placeholder 2">
             <a:extLst>
               <a:ext uri="{FF2B5EF4-FFF2-40B4-BE49-F238E27FC236}">
-                <a16:creationId xmlns:a16="http://schemas.microsoft.com/office/drawing/2014/main" id="{E2A0C1B4-1B93-4882-92C7-31DED519051E}"/>
+                <a16:creationId xmlns:a16="http://schemas.microsoft.com/office/drawing/2014/main" id="{66054C13-88B9-4848-8438-1D7248612213}"/>
               </a:ext>
             </a:extLst>
           </p:cNvPr>
@@ -6563,11 +6766,246 @@
             <p:ph idx="1"/>
           </p:nvPr>
         </p:nvSpPr>
-        <p:spPr/>
-        <p:txBody>
-          <a:bodyPr/>
-          <a:lstStyle/>
-          <a:p>
+        <p:spPr>
+          <a:xfrm>
+            <a:off x="788847" y="1947857"/>
+            <a:ext cx="5824604" cy="3960842"/>
+          </a:xfrm>
+        </p:spPr>
+        <p:txBody>
+          <a:bodyPr>
+            <a:normAutofit/>
+          </a:bodyPr>
+          <a:lstStyle/>
+          <a:p>
+            <a:pPr>
+              <a:spcBef>
+                <a:spcPts val="1800"/>
+              </a:spcBef>
+            </a:pPr>
+            <a:r>
+              <a:rPr lang="en-SG" sz="2400" dirty="0"/>
+              <a:t>Flask-Login, a Flask extension, was used to manage user sessions</a:t>
+            </a:r>
+          </a:p>
+          <a:p>
+            <a:pPr>
+              <a:spcBef>
+                <a:spcPts val="1800"/>
+              </a:spcBef>
+            </a:pPr>
+            <a:r>
+              <a:rPr lang="en-SG" sz="2400" dirty="0"/>
+              <a:t>If a user is not logged in, he/she will only be able to view the about page and the login/sign-up page</a:t>
+            </a:r>
+          </a:p>
+          <a:p>
+            <a:pPr>
+              <a:spcBef>
+                <a:spcPts val="1800"/>
+              </a:spcBef>
+            </a:pPr>
+            <a:r>
+              <a:rPr lang="en-SG" sz="2400" dirty="0"/>
+              <a:t>If a user is logged in, he/she can view the about page, home page and can log out at any time</a:t>
+            </a:r>
+          </a:p>
+        </p:txBody>
+      </p:sp>
+      <p:pic>
+        <p:nvPicPr>
+          <p:cNvPr id="5" name="Picture 4">
+            <a:extLst>
+              <a:ext uri="{FF2B5EF4-FFF2-40B4-BE49-F238E27FC236}">
+                <a16:creationId xmlns:a16="http://schemas.microsoft.com/office/drawing/2014/main" id="{02201AEF-3689-4367-A7C1-D2B906DB3C66}"/>
+              </a:ext>
+            </a:extLst>
+          </p:cNvPr>
+          <p:cNvPicPr>
+            <a:picLocks noChangeAspect="1"/>
+          </p:cNvPicPr>
+          <p:nvPr/>
+        </p:nvPicPr>
+        <p:blipFill>
+          <a:blip r:embed="rId2"/>
+          <a:stretch>
+            <a:fillRect/>
+          </a:stretch>
+        </p:blipFill>
+        <p:spPr>
+          <a:xfrm>
+            <a:off x="7097522" y="1561944"/>
+            <a:ext cx="4544059" cy="1076475"/>
+          </a:xfrm>
+          <a:prstGeom prst="rect">
+            <a:avLst/>
+          </a:prstGeom>
+        </p:spPr>
+      </p:pic>
+      <p:pic>
+        <p:nvPicPr>
+          <p:cNvPr id="8" name="Picture 7">
+            <a:extLst>
+              <a:ext uri="{FF2B5EF4-FFF2-40B4-BE49-F238E27FC236}">
+                <a16:creationId xmlns:a16="http://schemas.microsoft.com/office/drawing/2014/main" id="{B70CC8FA-C8BB-421B-B18A-0DF54F1C9BC8}"/>
+              </a:ext>
+            </a:extLst>
+          </p:cNvPr>
+          <p:cNvPicPr>
+            <a:picLocks noChangeAspect="1"/>
+          </p:cNvPicPr>
+          <p:nvPr/>
+        </p:nvPicPr>
+        <p:blipFill>
+          <a:blip r:embed="rId3"/>
+          <a:stretch>
+            <a:fillRect/>
+          </a:stretch>
+        </p:blipFill>
+        <p:spPr>
+          <a:xfrm>
+            <a:off x="7097522" y="5164324"/>
+            <a:ext cx="2819794" cy="685896"/>
+          </a:xfrm>
+          <a:prstGeom prst="rect">
+            <a:avLst/>
+          </a:prstGeom>
+        </p:spPr>
+      </p:pic>
+      <p:pic>
+        <p:nvPicPr>
+          <p:cNvPr id="10" name="Picture 9">
+            <a:extLst>
+              <a:ext uri="{FF2B5EF4-FFF2-40B4-BE49-F238E27FC236}">
+                <a16:creationId xmlns:a16="http://schemas.microsoft.com/office/drawing/2014/main" id="{325E7EA9-8CC7-451A-A334-DBF720006BB2}"/>
+              </a:ext>
+            </a:extLst>
+          </p:cNvPr>
+          <p:cNvPicPr>
+            <a:picLocks noChangeAspect="1"/>
+          </p:cNvPicPr>
+          <p:nvPr/>
+        </p:nvPicPr>
+        <p:blipFill>
+          <a:blip r:embed="rId4"/>
+          <a:stretch>
+            <a:fillRect/>
+          </a:stretch>
+        </p:blipFill>
+        <p:spPr>
+          <a:xfrm>
+            <a:off x="7097522" y="3613909"/>
+            <a:ext cx="1857634" cy="628738"/>
+          </a:xfrm>
+          <a:prstGeom prst="rect">
+            <a:avLst/>
+          </a:prstGeom>
+        </p:spPr>
+      </p:pic>
+      <p:sp>
+        <p:nvSpPr>
+          <p:cNvPr id="11" name="TextBox 10">
+            <a:extLst>
+              <a:ext uri="{FF2B5EF4-FFF2-40B4-BE49-F238E27FC236}">
+                <a16:creationId xmlns:a16="http://schemas.microsoft.com/office/drawing/2014/main" id="{B7014F33-B254-41AC-B466-59CB0BB07A0F}"/>
+              </a:ext>
+            </a:extLst>
+          </p:cNvPr>
+          <p:cNvSpPr txBox="1"/>
+          <p:nvPr/>
+        </p:nvSpPr>
+        <p:spPr>
+          <a:xfrm>
+            <a:off x="7097522" y="4301126"/>
+            <a:ext cx="2727029" cy="369332"/>
+          </a:xfrm>
+          <a:prstGeom prst="rect">
+            <a:avLst/>
+          </a:prstGeom>
+          <a:noFill/>
+        </p:spPr>
+        <p:txBody>
+          <a:bodyPr wrap="none" rtlCol="0">
+            <a:spAutoFit/>
+          </a:bodyPr>
+          <a:lstStyle/>
+          <a:p>
+            <a:r>
+              <a:rPr lang="en-SG" dirty="0"/>
+              <a:t>Navbar of a guest user</a:t>
+            </a:r>
+            <a:endParaRPr lang="en-GB" dirty="0"/>
+          </a:p>
+        </p:txBody>
+      </p:sp>
+      <p:sp>
+        <p:nvSpPr>
+          <p:cNvPr id="12" name="TextBox 11">
+            <a:extLst>
+              <a:ext uri="{FF2B5EF4-FFF2-40B4-BE49-F238E27FC236}">
+                <a16:creationId xmlns:a16="http://schemas.microsoft.com/office/drawing/2014/main" id="{B52BA8A1-552F-4E47-90CA-B92B0F3BE88F}"/>
+              </a:ext>
+            </a:extLst>
+          </p:cNvPr>
+          <p:cNvSpPr txBox="1"/>
+          <p:nvPr/>
+        </p:nvSpPr>
+        <p:spPr>
+          <a:xfrm>
+            <a:off x="7066997" y="5908699"/>
+            <a:ext cx="3690434" cy="369332"/>
+          </a:xfrm>
+          <a:prstGeom prst="rect">
+            <a:avLst/>
+          </a:prstGeom>
+          <a:noFill/>
+        </p:spPr>
+        <p:txBody>
+          <a:bodyPr wrap="none" rtlCol="0">
+            <a:spAutoFit/>
+          </a:bodyPr>
+          <a:lstStyle/>
+          <a:p>
+            <a:r>
+              <a:rPr lang="en-SG" dirty="0"/>
+              <a:t>Navbar of a logged in member</a:t>
+            </a:r>
+            <a:endParaRPr lang="en-GB" dirty="0"/>
+          </a:p>
+        </p:txBody>
+      </p:sp>
+      <p:sp>
+        <p:nvSpPr>
+          <p:cNvPr id="13" name="TextBox 12">
+            <a:extLst>
+              <a:ext uri="{FF2B5EF4-FFF2-40B4-BE49-F238E27FC236}">
+                <a16:creationId xmlns:a16="http://schemas.microsoft.com/office/drawing/2014/main" id="{1A53DF66-6AA6-4AB6-81AE-D7863E812D50}"/>
+              </a:ext>
+            </a:extLst>
+          </p:cNvPr>
+          <p:cNvSpPr txBox="1"/>
+          <p:nvPr/>
+        </p:nvSpPr>
+        <p:spPr>
+          <a:xfrm>
+            <a:off x="7097522" y="2722157"/>
+            <a:ext cx="3209533" cy="369332"/>
+          </a:xfrm>
+          <a:prstGeom prst="rect">
+            <a:avLst/>
+          </a:prstGeom>
+          <a:noFill/>
+        </p:spPr>
+        <p:txBody>
+          <a:bodyPr wrap="none" rtlCol="0">
+            <a:spAutoFit/>
+          </a:bodyPr>
+          <a:lstStyle/>
+          <a:p>
+            <a:r>
+              <a:rPr lang="en-SG" dirty="0"/>
+              <a:t>Flask-Login manages logins</a:t>
+            </a:r>
             <a:endParaRPr lang="en-GB" dirty="0"/>
           </a:p>
         </p:txBody>
@@ -6575,7 +7013,7 @@
     </p:spTree>
     <p:extLst>
       <p:ext uri="{BB962C8B-B14F-4D97-AF65-F5344CB8AC3E}">
-        <p14:creationId xmlns:p14="http://schemas.microsoft.com/office/powerpoint/2010/main" val="240551070"/>
+        <p14:creationId xmlns:p14="http://schemas.microsoft.com/office/powerpoint/2010/main" val="4160013051"/>
       </p:ext>
     </p:extLst>
   </p:cSld>
@@ -6618,14 +7056,19 @@
             <p:ph type="title"/>
           </p:nvPr>
         </p:nvSpPr>
-        <p:spPr/>
+        <p:spPr>
+          <a:xfrm>
+            <a:off x="646112" y="452718"/>
+            <a:ext cx="9422922" cy="1400530"/>
+          </a:xfrm>
+        </p:spPr>
         <p:txBody>
           <a:bodyPr/>
           <a:lstStyle/>
           <a:p>
             <a:r>
               <a:rPr lang="en-SG" dirty="0"/>
-              <a:t>Data Persistence</a:t>
+              <a:t>Backend – Remove History Record</a:t>
             </a:r>
             <a:endParaRPr lang="en-GB" dirty="0"/>
           </a:p>
@@ -6633,10 +7076,10 @@
       </p:sp>
       <p:sp>
         <p:nvSpPr>
-          <p:cNvPr id="6" name="Content Placeholder 5">
+          <p:cNvPr id="3" name="Content Placeholder 2">
             <a:extLst>
               <a:ext uri="{FF2B5EF4-FFF2-40B4-BE49-F238E27FC236}">
-                <a16:creationId xmlns:a16="http://schemas.microsoft.com/office/drawing/2014/main" id="{E2A0C1B4-1B93-4882-92C7-31DED519051E}"/>
+                <a16:creationId xmlns:a16="http://schemas.microsoft.com/office/drawing/2014/main" id="{66054C13-88B9-4848-8438-1D7248612213}"/>
               </a:ext>
             </a:extLst>
           </p:cNvPr>
@@ -6647,19 +7090,117 @@
             <p:ph idx="1"/>
           </p:nvPr>
         </p:nvSpPr>
-        <p:spPr/>
-        <p:txBody>
-          <a:bodyPr/>
-          <a:lstStyle/>
-          <a:p>
-            <a:endParaRPr lang="en-GB" dirty="0"/>
-          </a:p>
-        </p:txBody>
-      </p:sp>
+        <p:spPr>
+          <a:xfrm>
+            <a:off x="788846" y="3742660"/>
+            <a:ext cx="10208707" cy="2662622"/>
+          </a:xfrm>
+        </p:spPr>
+        <p:txBody>
+          <a:bodyPr>
+            <a:normAutofit/>
+          </a:bodyPr>
+          <a:lstStyle/>
+          <a:p>
+            <a:pPr>
+              <a:spcBef>
+                <a:spcPts val="1800"/>
+              </a:spcBef>
+            </a:pPr>
+            <a:r>
+              <a:rPr lang="en-SG" sz="2400" dirty="0"/>
+              <a:t>A user can delete any of his/her past predictions by clicking on the </a:t>
+            </a:r>
+            <a:r>
+              <a:rPr lang="en-SG" sz="2400" dirty="0">
+                <a:solidFill>
+                  <a:schemeClr val="accent1">
+                    <a:lumMod val="60000"/>
+                    <a:lumOff val="40000"/>
+                  </a:schemeClr>
+                </a:solidFill>
+              </a:rPr>
+              <a:t>DEL </a:t>
+            </a:r>
+            <a:r>
+              <a:rPr lang="en-SG" sz="2400" dirty="0"/>
+              <a:t>button beside any of the prediction records</a:t>
+            </a:r>
+          </a:p>
+          <a:p>
+            <a:pPr>
+              <a:spcBef>
+                <a:spcPts val="1800"/>
+              </a:spcBef>
+            </a:pPr>
+            <a:r>
+              <a:rPr lang="en-SG" sz="2400" dirty="0"/>
+              <a:t>A form will be sent to the backend, which will send a DELETE request to /</a:t>
+            </a:r>
+            <a:r>
+              <a:rPr lang="en-SG" sz="2400" dirty="0" err="1"/>
+              <a:t>api</a:t>
+            </a:r>
+            <a:r>
+              <a:rPr lang="en-SG" sz="2400" dirty="0"/>
+              <a:t>/delete/&lt;</a:t>
+            </a:r>
+            <a:r>
+              <a:rPr lang="en-SG" sz="2400" dirty="0" err="1"/>
+              <a:t>pred_id</a:t>
+            </a:r>
+            <a:r>
+              <a:rPr lang="en-SG" sz="2400" dirty="0"/>
+              <a:t>&gt;, where id is the id of the record</a:t>
+            </a:r>
+          </a:p>
+          <a:p>
+            <a:pPr>
+              <a:spcBef>
+                <a:spcPts val="1800"/>
+              </a:spcBef>
+            </a:pPr>
+            <a:r>
+              <a:rPr lang="en-SG" sz="2400" dirty="0"/>
+              <a:t>Users can only view and delete their own prediction records</a:t>
+            </a:r>
+          </a:p>
+        </p:txBody>
+      </p:sp>
+      <p:pic>
+        <p:nvPicPr>
+          <p:cNvPr id="14" name="Picture 13">
+            <a:extLst>
+              <a:ext uri="{FF2B5EF4-FFF2-40B4-BE49-F238E27FC236}">
+                <a16:creationId xmlns:a16="http://schemas.microsoft.com/office/drawing/2014/main" id="{28F1223F-09F7-4A76-A5DE-5319E4FF91B2}"/>
+              </a:ext>
+            </a:extLst>
+          </p:cNvPr>
+          <p:cNvPicPr>
+            <a:picLocks noChangeAspect="1"/>
+          </p:cNvPicPr>
+          <p:nvPr/>
+        </p:nvPicPr>
+        <p:blipFill>
+          <a:blip r:embed="rId2"/>
+          <a:stretch>
+            <a:fillRect/>
+          </a:stretch>
+        </p:blipFill>
+        <p:spPr>
+          <a:xfrm>
+            <a:off x="788847" y="1647087"/>
+            <a:ext cx="10208706" cy="1701451"/>
+          </a:xfrm>
+          <a:prstGeom prst="rect">
+            <a:avLst/>
+          </a:prstGeom>
+        </p:spPr>
+      </p:pic>
     </p:spTree>
     <p:extLst>
       <p:ext uri="{BB962C8B-B14F-4D97-AF65-F5344CB8AC3E}">
-        <p14:creationId xmlns:p14="http://schemas.microsoft.com/office/powerpoint/2010/main" val="4034610186"/>
+        <p14:creationId xmlns:p14="http://schemas.microsoft.com/office/powerpoint/2010/main" val="1832707200"/>
       </p:ext>
     </p:extLst>
   </p:cSld>
@@ -6709,7 +7250,7 @@
           <a:p>
             <a:r>
               <a:rPr lang="en-SG" dirty="0"/>
-              <a:t>New Prediction</a:t>
+              <a:t>Testing – Setup</a:t>
             </a:r>
             <a:endParaRPr lang="en-GB" dirty="0"/>
           </a:p>
@@ -6717,10 +7258,10 @@
       </p:sp>
       <p:sp>
         <p:nvSpPr>
-          <p:cNvPr id="6" name="Content Placeholder 5">
+          <p:cNvPr id="3" name="Content Placeholder 2">
             <a:extLst>
               <a:ext uri="{FF2B5EF4-FFF2-40B4-BE49-F238E27FC236}">
-                <a16:creationId xmlns:a16="http://schemas.microsoft.com/office/drawing/2014/main" id="{E2A0C1B4-1B93-4882-92C7-31DED519051E}"/>
+                <a16:creationId xmlns:a16="http://schemas.microsoft.com/office/drawing/2014/main" id="{66054C13-88B9-4848-8438-1D7248612213}"/>
               </a:ext>
             </a:extLst>
           </p:cNvPr>
@@ -6731,19 +7272,86 @@
             <p:ph idx="1"/>
           </p:nvPr>
         </p:nvSpPr>
-        <p:spPr/>
-        <p:txBody>
-          <a:bodyPr/>
-          <a:lstStyle/>
-          <a:p>
-            <a:endParaRPr lang="en-GB" dirty="0"/>
-          </a:p>
-        </p:txBody>
-      </p:sp>
+        <p:spPr>
+          <a:xfrm>
+            <a:off x="742098" y="2020187"/>
+            <a:ext cx="5775659" cy="3760894"/>
+          </a:xfrm>
+        </p:spPr>
+        <p:txBody>
+          <a:bodyPr>
+            <a:normAutofit/>
+          </a:bodyPr>
+          <a:lstStyle/>
+          <a:p>
+            <a:pPr>
+              <a:spcBef>
+                <a:spcPts val="2400"/>
+              </a:spcBef>
+            </a:pPr>
+            <a:r>
+              <a:rPr lang="en-SG" sz="2400" dirty="0"/>
+              <a:t>PyTest was the tool of choice for unit testing</a:t>
+            </a:r>
+          </a:p>
+          <a:p>
+            <a:pPr>
+              <a:spcBef>
+                <a:spcPts val="2400"/>
+              </a:spcBef>
+            </a:pPr>
+            <a:r>
+              <a:rPr lang="en-SG" sz="2400" dirty="0"/>
+              <a:t>Since an application factory was used, it was easy to configure the testing environment</a:t>
+            </a:r>
+          </a:p>
+          <a:p>
+            <a:pPr>
+              <a:spcBef>
+                <a:spcPts val="2400"/>
+              </a:spcBef>
+            </a:pPr>
+            <a:r>
+              <a:rPr lang="en-SG" sz="2400" dirty="0"/>
+              <a:t>PyTest fixtures app and client were defined to allow the API endpoints to be easily accessed and tested</a:t>
+            </a:r>
+          </a:p>
+        </p:txBody>
+      </p:sp>
+      <p:pic>
+        <p:nvPicPr>
+          <p:cNvPr id="5" name="Picture 4">
+            <a:extLst>
+              <a:ext uri="{FF2B5EF4-FFF2-40B4-BE49-F238E27FC236}">
+                <a16:creationId xmlns:a16="http://schemas.microsoft.com/office/drawing/2014/main" id="{AEB6DA45-C61F-4B65-91EF-906504168871}"/>
+              </a:ext>
+            </a:extLst>
+          </p:cNvPr>
+          <p:cNvPicPr>
+            <a:picLocks noChangeAspect="1"/>
+          </p:cNvPicPr>
+          <p:nvPr/>
+        </p:nvPicPr>
+        <p:blipFill>
+          <a:blip r:embed="rId2"/>
+          <a:stretch>
+            <a:fillRect/>
+          </a:stretch>
+        </p:blipFill>
+        <p:spPr>
+          <a:xfrm>
+            <a:off x="6907326" y="1608549"/>
+            <a:ext cx="4210638" cy="4172532"/>
+          </a:xfrm>
+          <a:prstGeom prst="rect">
+            <a:avLst/>
+          </a:prstGeom>
+        </p:spPr>
+      </p:pic>
     </p:spTree>
     <p:extLst>
       <p:ext uri="{BB962C8B-B14F-4D97-AF65-F5344CB8AC3E}">
-        <p14:creationId xmlns:p14="http://schemas.microsoft.com/office/powerpoint/2010/main" val="3579472772"/>
+        <p14:creationId xmlns:p14="http://schemas.microsoft.com/office/powerpoint/2010/main" val="2127052090"/>
       </p:ext>
     </p:extLst>
   </p:cSld>
@@ -6786,14 +7394,19 @@
             <p:ph type="title"/>
           </p:nvPr>
         </p:nvSpPr>
-        <p:spPr/>
+        <p:spPr>
+          <a:xfrm>
+            <a:off x="646112" y="452718"/>
+            <a:ext cx="9422922" cy="1400530"/>
+          </a:xfrm>
+        </p:spPr>
         <p:txBody>
           <a:bodyPr/>
           <a:lstStyle/>
           <a:p>
             <a:r>
               <a:rPr lang="en-SG" dirty="0"/>
-              <a:t>Prediction History</a:t>
+              <a:t>Testing – Database Models</a:t>
             </a:r>
             <a:endParaRPr lang="en-GB" dirty="0"/>
           </a:p>
@@ -6801,10 +7414,10 @@
       </p:sp>
       <p:sp>
         <p:nvSpPr>
-          <p:cNvPr id="6" name="Content Placeholder 5">
+          <p:cNvPr id="5" name="Content Placeholder 4">
             <a:extLst>
               <a:ext uri="{FF2B5EF4-FFF2-40B4-BE49-F238E27FC236}">
-                <a16:creationId xmlns:a16="http://schemas.microsoft.com/office/drawing/2014/main" id="{E2A0C1B4-1B93-4882-92C7-31DED519051E}"/>
+                <a16:creationId xmlns:a16="http://schemas.microsoft.com/office/drawing/2014/main" id="{4F6CC06C-20CE-4811-BC9A-BC2CD9031D2E}"/>
               </a:ext>
             </a:extLst>
           </p:cNvPr>
@@ -6815,19 +7428,116 @@
             <p:ph idx="1"/>
           </p:nvPr>
         </p:nvSpPr>
-        <p:spPr/>
-        <p:txBody>
-          <a:bodyPr/>
-          <a:lstStyle/>
-          <a:p>
-            <a:endParaRPr lang="en-GB" dirty="0"/>
-          </a:p>
-        </p:txBody>
-      </p:sp>
+        <p:spPr>
+          <a:xfrm>
+            <a:off x="823854" y="1853248"/>
+            <a:ext cx="5002533" cy="4195481"/>
+          </a:xfrm>
+        </p:spPr>
+        <p:txBody>
+          <a:bodyPr>
+            <a:normAutofit/>
+          </a:bodyPr>
+          <a:lstStyle/>
+          <a:p>
+            <a:pPr>
+              <a:spcBef>
+                <a:spcPts val="1800"/>
+              </a:spcBef>
+            </a:pPr>
+            <a:r>
+              <a:rPr lang="en-SG" sz="2400" dirty="0"/>
+              <a:t>Unit testing was conducted on both the User and History classes</a:t>
+            </a:r>
+          </a:p>
+          <a:p>
+            <a:pPr>
+              <a:spcBef>
+                <a:spcPts val="1800"/>
+              </a:spcBef>
+            </a:pPr>
+            <a:r>
+              <a:rPr lang="en-GB" sz="2400" dirty="0"/>
+              <a:t>PyTest’s parametrize decorator was used to run the tests against multiple samples</a:t>
+            </a:r>
+          </a:p>
+          <a:p>
+            <a:pPr>
+              <a:spcBef>
+                <a:spcPts val="1800"/>
+              </a:spcBef>
+            </a:pPr>
+            <a:r>
+              <a:rPr lang="en-GB" sz="2400" dirty="0"/>
+              <a:t>Some tests were expected to fail due to null, invalid or data that were out of range</a:t>
+            </a:r>
+          </a:p>
+        </p:txBody>
+      </p:sp>
+      <p:pic>
+        <p:nvPicPr>
+          <p:cNvPr id="7" name="Picture 6">
+            <a:extLst>
+              <a:ext uri="{FF2B5EF4-FFF2-40B4-BE49-F238E27FC236}">
+                <a16:creationId xmlns:a16="http://schemas.microsoft.com/office/drawing/2014/main" id="{748352F8-CD9B-4E4F-B758-65C50040F5B8}"/>
+              </a:ext>
+            </a:extLst>
+          </p:cNvPr>
+          <p:cNvPicPr>
+            <a:picLocks noChangeAspect="1"/>
+          </p:cNvPicPr>
+          <p:nvPr/>
+        </p:nvPicPr>
+        <p:blipFill>
+          <a:blip r:embed="rId2"/>
+          <a:stretch>
+            <a:fillRect/>
+          </a:stretch>
+        </p:blipFill>
+        <p:spPr>
+          <a:xfrm>
+            <a:off x="6276754" y="1493411"/>
+            <a:ext cx="5002532" cy="2657247"/>
+          </a:xfrm>
+          <a:prstGeom prst="rect">
+            <a:avLst/>
+          </a:prstGeom>
+        </p:spPr>
+      </p:pic>
+      <p:pic>
+        <p:nvPicPr>
+          <p:cNvPr id="9" name="Picture 8">
+            <a:extLst>
+              <a:ext uri="{FF2B5EF4-FFF2-40B4-BE49-F238E27FC236}">
+                <a16:creationId xmlns:a16="http://schemas.microsoft.com/office/drawing/2014/main" id="{AE69F658-EBB0-436F-836F-FC2833F8EF6F}"/>
+              </a:ext>
+            </a:extLst>
+          </p:cNvPr>
+          <p:cNvPicPr>
+            <a:picLocks noChangeAspect="1"/>
+          </p:cNvPicPr>
+          <p:nvPr/>
+        </p:nvPicPr>
+        <p:blipFill>
+          <a:blip r:embed="rId3"/>
+          <a:stretch>
+            <a:fillRect/>
+          </a:stretch>
+        </p:blipFill>
+        <p:spPr>
+          <a:xfrm>
+            <a:off x="6276754" y="4300579"/>
+            <a:ext cx="5002533" cy="2348707"/>
+          </a:xfrm>
+          <a:prstGeom prst="rect">
+            <a:avLst/>
+          </a:prstGeom>
+        </p:spPr>
+      </p:pic>
     </p:spTree>
     <p:extLst>
       <p:ext uri="{BB962C8B-B14F-4D97-AF65-F5344CB8AC3E}">
-        <p14:creationId xmlns:p14="http://schemas.microsoft.com/office/powerpoint/2010/main" val="3424726250"/>
+        <p14:creationId xmlns:p14="http://schemas.microsoft.com/office/powerpoint/2010/main" val="78617827"/>
       </p:ext>
     </p:extLst>
   </p:cSld>
@@ -6870,40 +7580,289 @@
             <p:ph type="title"/>
           </p:nvPr>
         </p:nvSpPr>
-        <p:spPr/>
+        <p:spPr>
+          <a:xfrm>
+            <a:off x="646112" y="452718"/>
+            <a:ext cx="9422922" cy="1400530"/>
+          </a:xfrm>
+        </p:spPr>
         <p:txBody>
           <a:bodyPr/>
           <a:lstStyle/>
           <a:p>
             <a:r>
               <a:rPr lang="en-SG" dirty="0"/>
-              <a:t>Application Testing</a:t>
+              <a:t>Testing – APIs / GUI</a:t>
             </a:r>
             <a:endParaRPr lang="en-GB" dirty="0"/>
           </a:p>
         </p:txBody>
       </p:sp>
-      <p:sp>
-        <p:nvSpPr>
-          <p:cNvPr id="6" name="Content Placeholder 5">
+      <p:pic>
+        <p:nvPicPr>
+          <p:cNvPr id="4" name="Picture 3">
             <a:extLst>
               <a:ext uri="{FF2B5EF4-FFF2-40B4-BE49-F238E27FC236}">
-                <a16:creationId xmlns:a16="http://schemas.microsoft.com/office/drawing/2014/main" id="{E2A0C1B4-1B93-4882-92C7-31DED519051E}"/>
+                <a16:creationId xmlns:a16="http://schemas.microsoft.com/office/drawing/2014/main" id="{18683EB9-137F-4898-A361-19C2B969A44D}"/>
               </a:ext>
             </a:extLst>
           </p:cNvPr>
-          <p:cNvSpPr>
-            <a:spLocks noGrp="1"/>
-          </p:cNvSpPr>
-          <p:nvPr>
-            <p:ph idx="1"/>
-          </p:nvPr>
-        </p:nvSpPr>
-        <p:spPr/>
-        <p:txBody>
-          <a:bodyPr/>
-          <a:lstStyle/>
-          <a:p>
+          <p:cNvPicPr>
+            <a:picLocks noChangeAspect="1"/>
+          </p:cNvPicPr>
+          <p:nvPr/>
+        </p:nvPicPr>
+        <p:blipFill>
+          <a:blip r:embed="rId2"/>
+          <a:stretch>
+            <a:fillRect/>
+          </a:stretch>
+        </p:blipFill>
+        <p:spPr>
+          <a:xfrm>
+            <a:off x="4925961" y="1736290"/>
+            <a:ext cx="6847367" cy="1393390"/>
+          </a:xfrm>
+          <a:prstGeom prst="rect">
+            <a:avLst/>
+          </a:prstGeom>
+        </p:spPr>
+      </p:pic>
+      <p:pic>
+        <p:nvPicPr>
+          <p:cNvPr id="8" name="Picture 7">
+            <a:extLst>
+              <a:ext uri="{FF2B5EF4-FFF2-40B4-BE49-F238E27FC236}">
+                <a16:creationId xmlns:a16="http://schemas.microsoft.com/office/drawing/2014/main" id="{804C90FB-A164-471A-B31C-46346AE382C5}"/>
+              </a:ext>
+            </a:extLst>
+          </p:cNvPr>
+          <p:cNvPicPr>
+            <a:picLocks noChangeAspect="1"/>
+          </p:cNvPicPr>
+          <p:nvPr/>
+        </p:nvPicPr>
+        <p:blipFill rotWithShape="1">
+          <a:blip r:embed="rId3"/>
+          <a:srcRect t="4273"/>
+          <a:stretch/>
+        </p:blipFill>
+        <p:spPr>
+          <a:xfrm>
+            <a:off x="646112" y="3655071"/>
+            <a:ext cx="4946051" cy="865695"/>
+          </a:xfrm>
+          <a:prstGeom prst="rect">
+            <a:avLst/>
+          </a:prstGeom>
+        </p:spPr>
+      </p:pic>
+      <p:sp>
+        <p:nvSpPr>
+          <p:cNvPr id="10" name="TextBox 9">
+            <a:extLst>
+              <a:ext uri="{FF2B5EF4-FFF2-40B4-BE49-F238E27FC236}">
+                <a16:creationId xmlns:a16="http://schemas.microsoft.com/office/drawing/2014/main" id="{4C4BF9D4-C168-4EB9-B028-DF7C360BE436}"/>
+              </a:ext>
+            </a:extLst>
+          </p:cNvPr>
+          <p:cNvSpPr txBox="1"/>
+          <p:nvPr/>
+        </p:nvSpPr>
+        <p:spPr>
+          <a:xfrm>
+            <a:off x="8708065" y="1366130"/>
+            <a:ext cx="3065263" cy="369332"/>
+          </a:xfrm>
+          <a:prstGeom prst="rect">
+            <a:avLst/>
+          </a:prstGeom>
+          <a:noFill/>
+        </p:spPr>
+        <p:txBody>
+          <a:bodyPr wrap="none" rtlCol="0">
+            <a:spAutoFit/>
+          </a:bodyPr>
+          <a:lstStyle/>
+          <a:p>
+            <a:r>
+              <a:rPr lang="en-SG" dirty="0"/>
+              <a:t>Example of Range Testing</a:t>
+            </a:r>
+            <a:endParaRPr lang="en-GB" dirty="0"/>
+          </a:p>
+        </p:txBody>
+      </p:sp>
+      <p:sp>
+        <p:nvSpPr>
+          <p:cNvPr id="13" name="TextBox 12">
+            <a:extLst>
+              <a:ext uri="{FF2B5EF4-FFF2-40B4-BE49-F238E27FC236}">
+                <a16:creationId xmlns:a16="http://schemas.microsoft.com/office/drawing/2014/main" id="{D8AD41EF-2595-4310-A267-3C1A27B46174}"/>
+              </a:ext>
+            </a:extLst>
+          </p:cNvPr>
+          <p:cNvSpPr txBox="1"/>
+          <p:nvPr/>
+        </p:nvSpPr>
+        <p:spPr>
+          <a:xfrm>
+            <a:off x="646112" y="3244334"/>
+            <a:ext cx="3140603" cy="369332"/>
+          </a:xfrm>
+          <a:prstGeom prst="rect">
+            <a:avLst/>
+          </a:prstGeom>
+          <a:noFill/>
+        </p:spPr>
+        <p:txBody>
+          <a:bodyPr wrap="none" rtlCol="0">
+            <a:spAutoFit/>
+          </a:bodyPr>
+          <a:lstStyle/>
+          <a:p>
+            <a:r>
+              <a:rPr lang="en-SG" dirty="0"/>
+              <a:t>Example of Validity Testing</a:t>
+            </a:r>
+            <a:endParaRPr lang="en-GB" dirty="0"/>
+          </a:p>
+        </p:txBody>
+      </p:sp>
+      <p:pic>
+        <p:nvPicPr>
+          <p:cNvPr id="15" name="Picture 14">
+            <a:extLst>
+              <a:ext uri="{FF2B5EF4-FFF2-40B4-BE49-F238E27FC236}">
+                <a16:creationId xmlns:a16="http://schemas.microsoft.com/office/drawing/2014/main" id="{95F212D3-711F-43BB-9768-0453C7D607FF}"/>
+              </a:ext>
+            </a:extLst>
+          </p:cNvPr>
+          <p:cNvPicPr>
+            <a:picLocks noChangeAspect="1"/>
+          </p:cNvPicPr>
+          <p:nvPr/>
+        </p:nvPicPr>
+        <p:blipFill>
+          <a:blip r:embed="rId4"/>
+          <a:stretch>
+            <a:fillRect/>
+          </a:stretch>
+        </p:blipFill>
+        <p:spPr>
+          <a:xfrm>
+            <a:off x="5824812" y="4707088"/>
+            <a:ext cx="5948516" cy="1769075"/>
+          </a:xfrm>
+          <a:prstGeom prst="rect">
+            <a:avLst/>
+          </a:prstGeom>
+        </p:spPr>
+      </p:pic>
+      <p:sp>
+        <p:nvSpPr>
+          <p:cNvPr id="18" name="TextBox 17">
+            <a:extLst>
+              <a:ext uri="{FF2B5EF4-FFF2-40B4-BE49-F238E27FC236}">
+                <a16:creationId xmlns:a16="http://schemas.microsoft.com/office/drawing/2014/main" id="{31756B94-AE13-4CA9-B02F-283CB66EBC7E}"/>
+              </a:ext>
+            </a:extLst>
+          </p:cNvPr>
+          <p:cNvSpPr txBox="1"/>
+          <p:nvPr/>
+        </p:nvSpPr>
+        <p:spPr>
+          <a:xfrm>
+            <a:off x="8103734" y="4336100"/>
+            <a:ext cx="3669594" cy="369332"/>
+          </a:xfrm>
+          <a:prstGeom prst="rect">
+            <a:avLst/>
+          </a:prstGeom>
+          <a:noFill/>
+        </p:spPr>
+        <p:txBody>
+          <a:bodyPr wrap="none" rtlCol="0">
+            <a:spAutoFit/>
+          </a:bodyPr>
+          <a:lstStyle/>
+          <a:p>
+            <a:r>
+              <a:rPr lang="en-SG" dirty="0"/>
+              <a:t>Example of Consistency Testing</a:t>
+            </a:r>
+            <a:endParaRPr lang="en-GB" dirty="0"/>
+          </a:p>
+        </p:txBody>
+      </p:sp>
+      <p:sp>
+        <p:nvSpPr>
+          <p:cNvPr id="19" name="TextBox 18">
+            <a:extLst>
+              <a:ext uri="{FF2B5EF4-FFF2-40B4-BE49-F238E27FC236}">
+                <a16:creationId xmlns:a16="http://schemas.microsoft.com/office/drawing/2014/main" id="{20120043-E81C-4B61-A845-92BC51947575}"/>
+              </a:ext>
+            </a:extLst>
+          </p:cNvPr>
+          <p:cNvSpPr txBox="1"/>
+          <p:nvPr/>
+        </p:nvSpPr>
+        <p:spPr>
+          <a:xfrm>
+            <a:off x="596036" y="1784663"/>
+            <a:ext cx="3975964" cy="646331"/>
+          </a:xfrm>
+          <a:prstGeom prst="rect">
+            <a:avLst/>
+          </a:prstGeom>
+          <a:noFill/>
+        </p:spPr>
+        <p:txBody>
+          <a:bodyPr wrap="square" rtlCol="0">
+            <a:spAutoFit/>
+          </a:bodyPr>
+          <a:lstStyle/>
+          <a:p>
+            <a:r>
+              <a:rPr lang="en-SG" dirty="0"/>
+              <a:t>API endpoints were also set up to test the components of the app</a:t>
+            </a:r>
+            <a:endParaRPr lang="en-GB" dirty="0"/>
+          </a:p>
+        </p:txBody>
+      </p:sp>
+      <p:sp>
+        <p:nvSpPr>
+          <p:cNvPr id="22" name="TextBox 21">
+            <a:extLst>
+              <a:ext uri="{FF2B5EF4-FFF2-40B4-BE49-F238E27FC236}">
+                <a16:creationId xmlns:a16="http://schemas.microsoft.com/office/drawing/2014/main" id="{A5F9BCD9-BBB9-452F-9F86-C98559F73F6D}"/>
+              </a:ext>
+            </a:extLst>
+          </p:cNvPr>
+          <p:cNvSpPr txBox="1"/>
+          <p:nvPr/>
+        </p:nvSpPr>
+        <p:spPr>
+          <a:xfrm>
+            <a:off x="730891" y="5204953"/>
+            <a:ext cx="4106924" cy="1200329"/>
+          </a:xfrm>
+          <a:prstGeom prst="rect">
+            <a:avLst/>
+          </a:prstGeom>
+          <a:noFill/>
+        </p:spPr>
+        <p:txBody>
+          <a:bodyPr wrap="square" rtlCol="0">
+            <a:spAutoFit/>
+          </a:bodyPr>
+          <a:lstStyle/>
+          <a:p>
+            <a:r>
+              <a:rPr lang="en-SG" dirty="0"/>
+              <a:t>The GUI was also tested to ensure that the formats were consistent. One example is that form labels must come before the input boxes</a:t>
+            </a:r>
             <a:endParaRPr lang="en-GB" dirty="0"/>
           </a:p>
         </p:txBody>
@@ -6911,7 +7870,7 @@
     </p:spTree>
     <p:extLst>
       <p:ext uri="{BB962C8B-B14F-4D97-AF65-F5344CB8AC3E}">
-        <p14:creationId xmlns:p14="http://schemas.microsoft.com/office/powerpoint/2010/main" val="2276022126"/>
+        <p14:creationId xmlns:p14="http://schemas.microsoft.com/office/powerpoint/2010/main" val="3002864066"/>
       </p:ext>
     </p:extLst>
   </p:cSld>
@@ -6961,7 +7920,7 @@
           <a:p>
             <a:r>
               <a:rPr lang="en-SG" dirty="0"/>
-              <a:t>Model Testing</a:t>
+              <a:t>Testing – Results</a:t>
             </a:r>
             <a:endParaRPr lang="en-GB" dirty="0"/>
           </a:p>
@@ -6969,10 +7928,10 @@
       </p:sp>
       <p:sp>
         <p:nvSpPr>
-          <p:cNvPr id="6" name="Content Placeholder 5">
+          <p:cNvPr id="3" name="Content Placeholder 2">
             <a:extLst>
               <a:ext uri="{FF2B5EF4-FFF2-40B4-BE49-F238E27FC236}">
-                <a16:creationId xmlns:a16="http://schemas.microsoft.com/office/drawing/2014/main" id="{E2A0C1B4-1B93-4882-92C7-31DED519051E}"/>
+                <a16:creationId xmlns:a16="http://schemas.microsoft.com/office/drawing/2014/main" id="{66054C13-88B9-4848-8438-1D7248612213}"/>
               </a:ext>
             </a:extLst>
           </p:cNvPr>
@@ -6983,103 +7942,101 @@
             <p:ph idx="1"/>
           </p:nvPr>
         </p:nvSpPr>
-        <p:spPr/>
-        <p:txBody>
-          <a:bodyPr/>
-          <a:lstStyle/>
-          <a:p>
-            <a:endParaRPr lang="en-GB" dirty="0"/>
-          </a:p>
-        </p:txBody>
-      </p:sp>
+        <p:spPr>
+          <a:xfrm>
+            <a:off x="688936" y="2709137"/>
+            <a:ext cx="4659536" cy="3696145"/>
+          </a:xfrm>
+        </p:spPr>
+        <p:txBody>
+          <a:bodyPr>
+            <a:normAutofit/>
+          </a:bodyPr>
+          <a:lstStyle/>
+          <a:p>
+            <a:r>
+              <a:rPr lang="en-SG" sz="2400" dirty="0"/>
+              <a:t>Most of the tests passed</a:t>
+            </a:r>
+          </a:p>
+          <a:p>
+            <a:r>
+              <a:rPr lang="en-SG" sz="2400" dirty="0"/>
+              <a:t>The majority of failures were expected</a:t>
+            </a:r>
+          </a:p>
+          <a:p>
+            <a:r>
+              <a:rPr lang="en-SG" sz="2400" dirty="0"/>
+              <a:t>There were, however, two unexpected failures as the tests expected to retrieve response code 200, whereas the endpoints returned redirects</a:t>
+            </a:r>
+          </a:p>
+        </p:txBody>
+      </p:sp>
+      <p:pic>
+        <p:nvPicPr>
+          <p:cNvPr id="6" name="Picture 5">
+            <a:extLst>
+              <a:ext uri="{FF2B5EF4-FFF2-40B4-BE49-F238E27FC236}">
+                <a16:creationId xmlns:a16="http://schemas.microsoft.com/office/drawing/2014/main" id="{D708EA88-CCA9-4082-9D8A-59FB96853150}"/>
+              </a:ext>
+            </a:extLst>
+          </p:cNvPr>
+          <p:cNvPicPr>
+            <a:picLocks noChangeAspect="1"/>
+          </p:cNvPicPr>
+          <p:nvPr/>
+        </p:nvPicPr>
+        <p:blipFill>
+          <a:blip r:embed="rId2"/>
+          <a:stretch>
+            <a:fillRect/>
+          </a:stretch>
+        </p:blipFill>
+        <p:spPr>
+          <a:xfrm>
+            <a:off x="646111" y="1563392"/>
+            <a:ext cx="10874365" cy="786404"/>
+          </a:xfrm>
+          <a:prstGeom prst="rect">
+            <a:avLst/>
+          </a:prstGeom>
+        </p:spPr>
+      </p:pic>
+      <p:pic>
+        <p:nvPicPr>
+          <p:cNvPr id="7" name="Picture 6">
+            <a:extLst>
+              <a:ext uri="{FF2B5EF4-FFF2-40B4-BE49-F238E27FC236}">
+                <a16:creationId xmlns:a16="http://schemas.microsoft.com/office/drawing/2014/main" id="{7DFFE5EB-E920-4118-8F94-41F15BDD993A}"/>
+              </a:ext>
+            </a:extLst>
+          </p:cNvPr>
+          <p:cNvPicPr>
+            <a:picLocks noChangeAspect="1"/>
+          </p:cNvPicPr>
+          <p:nvPr/>
+        </p:nvPicPr>
+        <p:blipFill>
+          <a:blip r:embed="rId3"/>
+          <a:stretch>
+            <a:fillRect/>
+          </a:stretch>
+        </p:blipFill>
+        <p:spPr>
+          <a:xfrm>
+            <a:off x="5660920" y="2709137"/>
+            <a:ext cx="5859556" cy="2274141"/>
+          </a:xfrm>
+          <a:prstGeom prst="rect">
+            <a:avLst/>
+          </a:prstGeom>
+        </p:spPr>
+      </p:pic>
     </p:spTree>
     <p:extLst>
       <p:ext uri="{BB962C8B-B14F-4D97-AF65-F5344CB8AC3E}">
-        <p14:creationId xmlns:p14="http://schemas.microsoft.com/office/powerpoint/2010/main" val="2493808243"/>
-      </p:ext>
-    </p:extLst>
-  </p:cSld>
-  <p:clrMapOvr>
-    <a:masterClrMapping/>
-  </p:clrMapOvr>
-</p:sld>
-</file>
-
-<file path=ppt/slides/slide19.xml><?xml version="1.0" encoding="utf-8"?>
-<p:sld xmlns:a="http://schemas.openxmlformats.org/drawingml/2006/main" xmlns:r="http://schemas.openxmlformats.org/officeDocument/2006/relationships" xmlns:p="http://schemas.openxmlformats.org/presentationml/2006/main">
-  <p:cSld>
-    <p:spTree>
-      <p:nvGrpSpPr>
-        <p:cNvPr id="1" name=""/>
-        <p:cNvGrpSpPr/>
-        <p:nvPr/>
-      </p:nvGrpSpPr>
-      <p:grpSpPr>
-        <a:xfrm>
-          <a:off x="0" y="0"/>
-          <a:ext cx="0" cy="0"/>
-          <a:chOff x="0" y="0"/>
-          <a:chExt cx="0" cy="0"/>
-        </a:xfrm>
-      </p:grpSpPr>
-      <p:sp>
-        <p:nvSpPr>
-          <p:cNvPr id="2" name="Title 1">
-            <a:extLst>
-              <a:ext uri="{FF2B5EF4-FFF2-40B4-BE49-F238E27FC236}">
-                <a16:creationId xmlns:a16="http://schemas.microsoft.com/office/drawing/2014/main" id="{596B45B4-6AF3-4195-AB8B-BAE6F7AB92E8}"/>
-              </a:ext>
-            </a:extLst>
-          </p:cNvPr>
-          <p:cNvSpPr>
-            <a:spLocks noGrp="1"/>
-          </p:cNvSpPr>
-          <p:nvPr>
-            <p:ph type="title"/>
-          </p:nvPr>
-        </p:nvSpPr>
-        <p:spPr/>
-        <p:txBody>
-          <a:bodyPr/>
-          <a:lstStyle/>
-          <a:p>
-            <a:r>
-              <a:rPr lang="en-SG" dirty="0"/>
-              <a:t>API Testing</a:t>
-            </a:r>
-            <a:endParaRPr lang="en-GB" dirty="0"/>
-          </a:p>
-        </p:txBody>
-      </p:sp>
-      <p:sp>
-        <p:nvSpPr>
-          <p:cNvPr id="6" name="Content Placeholder 5">
-            <a:extLst>
-              <a:ext uri="{FF2B5EF4-FFF2-40B4-BE49-F238E27FC236}">
-                <a16:creationId xmlns:a16="http://schemas.microsoft.com/office/drawing/2014/main" id="{E2A0C1B4-1B93-4882-92C7-31DED519051E}"/>
-              </a:ext>
-            </a:extLst>
-          </p:cNvPr>
-          <p:cNvSpPr>
-            <a:spLocks noGrp="1"/>
-          </p:cNvSpPr>
-          <p:nvPr>
-            <p:ph idx="1"/>
-          </p:nvPr>
-        </p:nvSpPr>
-        <p:spPr/>
-        <p:txBody>
-          <a:bodyPr/>
-          <a:lstStyle/>
-          <a:p>
-            <a:endParaRPr lang="en-GB" dirty="0"/>
-          </a:p>
-        </p:txBody>
-      </p:sp>
-    </p:spTree>
-    <p:extLst>
-      <p:ext uri="{BB962C8B-B14F-4D97-AF65-F5344CB8AC3E}">
-        <p14:creationId xmlns:p14="http://schemas.microsoft.com/office/powerpoint/2010/main" val="2751933519"/>
+        <p14:creationId xmlns:p14="http://schemas.microsoft.com/office/powerpoint/2010/main" val="3020790266"/>
       </p:ext>
     </p:extLst>
   </p:cSld>
@@ -7153,30 +8110,111 @@
         </p:nvSpPr>
         <p:spPr>
           <a:xfrm>
-            <a:off x="1103313" y="2052918"/>
-            <a:ext cx="4648902" cy="4195481"/>
-          </a:xfrm>
-        </p:spPr>
-        <p:txBody>
-          <a:bodyPr/>
-          <a:lstStyle/>
-          <a:p>
-            <a:r>
-              <a:rPr lang="en-SG" dirty="0"/>
+            <a:off x="699569" y="1816109"/>
+            <a:ext cx="4656201" cy="4552034"/>
+          </a:xfrm>
+        </p:spPr>
+        <p:txBody>
+          <a:bodyPr>
+            <a:normAutofit/>
+          </a:bodyPr>
+          <a:lstStyle/>
+          <a:p>
+            <a:r>
+              <a:rPr lang="en-SG"/>
               <a:t>The repository can be found at </a:t>
             </a:r>
             <a:r>
-              <a:rPr lang="en-SG" dirty="0">
+              <a:rPr lang="en-SG">
                 <a:hlinkClick r:id="rId2"/>
               </a:rPr>
               <a:t>https://gitlab.com/2b03.2012085.ethantan/ca1-2b03-2012085-ethantan.git</a:t>
             </a:r>
             <a:r>
-              <a:rPr lang="en-SG" dirty="0"/>
+              <a:rPr lang="en-SG"/>
               <a:t>, as indicated in README.md</a:t>
             </a:r>
           </a:p>
           <a:p>
+            <a:r>
+              <a:rPr lang="en-SG"/>
+              <a:t>The 6 branches used are as follows:</a:t>
+            </a:r>
+          </a:p>
+          <a:p>
+            <a:pPr marL="857250" lvl="1" indent="-457200">
+              <a:buFont typeface="+mj-lt"/>
+              <a:buAutoNum type="arabicPeriod"/>
+            </a:pPr>
+            <a:r>
+              <a:rPr lang="en-SG"/>
+              <a:t>main (main branch)</a:t>
+            </a:r>
+          </a:p>
+          <a:p>
+            <a:pPr marL="857250" lvl="1" indent="-457200">
+              <a:spcBef>
+                <a:spcPts val="300"/>
+              </a:spcBef>
+              <a:buFont typeface="+mj-lt"/>
+              <a:buAutoNum type="arabicPeriod"/>
+            </a:pPr>
+            <a:r>
+              <a:rPr lang="en-SG"/>
+              <a:t>model (develop ML model)</a:t>
+            </a:r>
+          </a:p>
+          <a:p>
+            <a:pPr marL="857250" lvl="1" indent="-457200">
+              <a:spcBef>
+                <a:spcPts val="300"/>
+              </a:spcBef>
+              <a:buFont typeface="+mj-lt"/>
+              <a:buAutoNum type="arabicPeriod"/>
+            </a:pPr>
+            <a:r>
+              <a:rPr lang="en-SG"/>
+              <a:t>app (application without db)</a:t>
+            </a:r>
+          </a:p>
+          <a:p>
+            <a:pPr marL="857250" lvl="1" indent="-457200">
+              <a:spcBef>
+                <a:spcPts val="300"/>
+              </a:spcBef>
+              <a:buFont typeface="+mj-lt"/>
+              <a:buAutoNum type="arabicPeriod"/>
+            </a:pPr>
+            <a:r>
+              <a:rPr lang="en-SG"/>
+              <a:t>db (data persistence)</a:t>
+            </a:r>
+          </a:p>
+          <a:p>
+            <a:pPr marL="857250" lvl="1" indent="-457200">
+              <a:spcBef>
+                <a:spcPts val="300"/>
+              </a:spcBef>
+              <a:buFont typeface="+mj-lt"/>
+              <a:buAutoNum type="arabicPeriod"/>
+            </a:pPr>
+            <a:r>
+              <a:rPr lang="en-SG"/>
+              <a:t>testing (unit testing)</a:t>
+            </a:r>
+          </a:p>
+          <a:p>
+            <a:pPr marL="857250" lvl="1" indent="-457200">
+              <a:spcBef>
+                <a:spcPts val="300"/>
+              </a:spcBef>
+              <a:buFont typeface="+mj-lt"/>
+              <a:buAutoNum type="arabicPeriod"/>
+            </a:pPr>
+            <a:r>
+              <a:rPr lang="en-SG"/>
+              <a:t>refactoring (refactoring code)</a:t>
+            </a:r>
             <a:endParaRPr lang="en-SG" dirty="0"/>
           </a:p>
         </p:txBody>
@@ -7203,8 +8241,38 @@
         </p:blipFill>
         <p:spPr>
           <a:xfrm>
-            <a:off x="5752215" y="253048"/>
-            <a:ext cx="6173061" cy="1228896"/>
+            <a:off x="5899173" y="335403"/>
+            <a:ext cx="5793674" cy="1153370"/>
+          </a:xfrm>
+          <a:prstGeom prst="rect">
+            <a:avLst/>
+          </a:prstGeom>
+        </p:spPr>
+      </p:pic>
+      <p:pic>
+        <p:nvPicPr>
+          <p:cNvPr id="8" name="Picture 7">
+            <a:extLst>
+              <a:ext uri="{FF2B5EF4-FFF2-40B4-BE49-F238E27FC236}">
+                <a16:creationId xmlns:a16="http://schemas.microsoft.com/office/drawing/2014/main" id="{F34266F1-54E2-47A4-864B-056CAEF3316F}"/>
+              </a:ext>
+            </a:extLst>
+          </p:cNvPr>
+          <p:cNvPicPr>
+            <a:picLocks noChangeAspect="1"/>
+          </p:cNvPicPr>
+          <p:nvPr/>
+        </p:nvPicPr>
+        <p:blipFill>
+          <a:blip r:embed="rId4"/>
+          <a:stretch>
+            <a:fillRect/>
+          </a:stretch>
+        </p:blipFill>
+        <p:spPr>
+          <a:xfrm>
+            <a:off x="6549427" y="1970563"/>
+            <a:ext cx="4493166" cy="4243125"/>
           </a:xfrm>
           <a:prstGeom prst="rect">
             <a:avLst/>
@@ -7215,90 +8283,6 @@
     <p:extLst>
       <p:ext uri="{BB962C8B-B14F-4D97-AF65-F5344CB8AC3E}">
         <p14:creationId xmlns:p14="http://schemas.microsoft.com/office/powerpoint/2010/main" val="3114110568"/>
-      </p:ext>
-    </p:extLst>
-  </p:cSld>
-  <p:clrMapOvr>
-    <a:masterClrMapping/>
-  </p:clrMapOvr>
-</p:sld>
-</file>
-
-<file path=ppt/slides/slide20.xml><?xml version="1.0" encoding="utf-8"?>
-<p:sld xmlns:a="http://schemas.openxmlformats.org/drawingml/2006/main" xmlns:r="http://schemas.openxmlformats.org/officeDocument/2006/relationships" xmlns:p="http://schemas.openxmlformats.org/presentationml/2006/main">
-  <p:cSld>
-    <p:spTree>
-      <p:nvGrpSpPr>
-        <p:cNvPr id="1" name=""/>
-        <p:cNvGrpSpPr/>
-        <p:nvPr/>
-      </p:nvGrpSpPr>
-      <p:grpSpPr>
-        <a:xfrm>
-          <a:off x="0" y="0"/>
-          <a:ext cx="0" cy="0"/>
-          <a:chOff x="0" y="0"/>
-          <a:chExt cx="0" cy="0"/>
-        </a:xfrm>
-      </p:grpSpPr>
-      <p:sp>
-        <p:nvSpPr>
-          <p:cNvPr id="2" name="Title 1">
-            <a:extLst>
-              <a:ext uri="{FF2B5EF4-FFF2-40B4-BE49-F238E27FC236}">
-                <a16:creationId xmlns:a16="http://schemas.microsoft.com/office/drawing/2014/main" id="{596B45B4-6AF3-4195-AB8B-BAE6F7AB92E8}"/>
-              </a:ext>
-            </a:extLst>
-          </p:cNvPr>
-          <p:cNvSpPr>
-            <a:spLocks noGrp="1"/>
-          </p:cNvSpPr>
-          <p:nvPr>
-            <p:ph type="title"/>
-          </p:nvPr>
-        </p:nvSpPr>
-        <p:spPr/>
-        <p:txBody>
-          <a:bodyPr/>
-          <a:lstStyle/>
-          <a:p>
-            <a:r>
-              <a:rPr lang="en-SG" dirty="0"/>
-              <a:t>GUI Testing</a:t>
-            </a:r>
-            <a:endParaRPr lang="en-GB" dirty="0"/>
-          </a:p>
-        </p:txBody>
-      </p:sp>
-      <p:sp>
-        <p:nvSpPr>
-          <p:cNvPr id="6" name="Content Placeholder 5">
-            <a:extLst>
-              <a:ext uri="{FF2B5EF4-FFF2-40B4-BE49-F238E27FC236}">
-                <a16:creationId xmlns:a16="http://schemas.microsoft.com/office/drawing/2014/main" id="{E2A0C1B4-1B93-4882-92C7-31DED519051E}"/>
-              </a:ext>
-            </a:extLst>
-          </p:cNvPr>
-          <p:cNvSpPr>
-            <a:spLocks noGrp="1"/>
-          </p:cNvSpPr>
-          <p:nvPr>
-            <p:ph idx="1"/>
-          </p:nvPr>
-        </p:nvSpPr>
-        <p:spPr/>
-        <p:txBody>
-          <a:bodyPr/>
-          <a:lstStyle/>
-          <a:p>
-            <a:endParaRPr lang="en-GB" dirty="0"/>
-          </a:p>
-        </p:txBody>
-      </p:sp>
-    </p:spTree>
-    <p:extLst>
-      <p:ext uri="{BB962C8B-B14F-4D97-AF65-F5344CB8AC3E}">
-        <p14:creationId xmlns:p14="http://schemas.microsoft.com/office/powerpoint/2010/main" val="2370886128"/>
       </p:ext>
     </p:extLst>
   </p:cSld>
@@ -7348,7 +8332,7 @@
           <a:p>
             <a:r>
               <a:rPr lang="en-SG" dirty="0"/>
-              <a:t>Importing Data</a:t>
+              <a:t>Scrum Board</a:t>
             </a:r>
             <a:endParaRPr lang="en-GB" dirty="0"/>
           </a:p>
@@ -7370,41 +8354,186 @@
             <p:ph idx="1"/>
           </p:nvPr>
         </p:nvSpPr>
-        <p:spPr/>
-        <p:txBody>
-          <a:bodyPr/>
-          <a:lstStyle/>
-          <a:p>
-            <a:r>
-              <a:rPr lang="en-SG" dirty="0"/>
-              <a:t>The dataset was sourced from Kaggle</a:t>
-            </a:r>
-          </a:p>
-          <a:p>
-            <a:r>
-              <a:rPr lang="en-SG" dirty="0"/>
-              <a:t>It entails resale flat details and their corresponding prices in Singapore</a:t>
-            </a:r>
-          </a:p>
-          <a:p>
-            <a:r>
-              <a:rPr lang="en-SG" dirty="0"/>
-              <a:t>It is available at this link: </a:t>
-            </a:r>
-            <a:r>
-              <a:rPr lang="en-SG" dirty="0">
-                <a:hlinkClick r:id="rId2"/>
-              </a:rPr>
-              <a:t>https://www.kaggle.com/sveneschlbeck/resale-flat-prices-in-singapore</a:t>
-            </a:r>
-            <a:endParaRPr lang="en-SG" dirty="0"/>
-          </a:p>
-        </p:txBody>
-      </p:sp>
+        <p:spPr>
+          <a:xfrm>
+            <a:off x="646111" y="1679522"/>
+            <a:ext cx="5253062" cy="4759823"/>
+          </a:xfrm>
+        </p:spPr>
+        <p:txBody>
+          <a:bodyPr>
+            <a:normAutofit/>
+          </a:bodyPr>
+          <a:lstStyle/>
+          <a:p>
+            <a:r>
+              <a:rPr lang="en-SG" sz="2400" dirty="0"/>
+              <a:t>Most of the issues have been resolved and closed, with the exception of deployment</a:t>
+            </a:r>
+          </a:p>
+          <a:p>
+            <a:r>
+              <a:rPr lang="en-SG" sz="2400" dirty="0"/>
+              <a:t>The 7 issues are:</a:t>
+            </a:r>
+          </a:p>
+          <a:p>
+            <a:pPr marL="857250" lvl="1" indent="-457200">
+              <a:buFont typeface="+mj-lt"/>
+              <a:buAutoNum type="arabicPeriod"/>
+            </a:pPr>
+            <a:r>
+              <a:rPr lang="en-SG" sz="2200" dirty="0"/>
+              <a:t>User Interface</a:t>
+            </a:r>
+          </a:p>
+          <a:p>
+            <a:pPr marL="857250" lvl="1" indent="-457200">
+              <a:spcBef>
+                <a:spcPts val="600"/>
+              </a:spcBef>
+              <a:buFont typeface="+mj-lt"/>
+              <a:buAutoNum type="arabicPeriod"/>
+            </a:pPr>
+            <a:r>
+              <a:rPr lang="en-SG" sz="2200" dirty="0"/>
+              <a:t>Backend Form Handling</a:t>
+            </a:r>
+          </a:p>
+          <a:p>
+            <a:pPr marL="857250" lvl="1" indent="-457200">
+              <a:spcBef>
+                <a:spcPts val="600"/>
+              </a:spcBef>
+              <a:buFont typeface="+mj-lt"/>
+              <a:buAutoNum type="arabicPeriod"/>
+            </a:pPr>
+            <a:r>
+              <a:rPr lang="en-SG" sz="2200" dirty="0"/>
+              <a:t>SQL Database</a:t>
+            </a:r>
+          </a:p>
+          <a:p>
+            <a:pPr marL="857250" lvl="1" indent="-457200">
+              <a:spcBef>
+                <a:spcPts val="600"/>
+              </a:spcBef>
+              <a:buFont typeface="+mj-lt"/>
+              <a:buAutoNum type="arabicPeriod"/>
+            </a:pPr>
+            <a:r>
+              <a:rPr lang="en-SG" sz="2200" dirty="0"/>
+              <a:t>Machine Learning Model</a:t>
+            </a:r>
+          </a:p>
+          <a:p>
+            <a:pPr marL="857250" lvl="1" indent="-457200">
+              <a:spcBef>
+                <a:spcPts val="600"/>
+              </a:spcBef>
+              <a:buFont typeface="+mj-lt"/>
+              <a:buAutoNum type="arabicPeriod"/>
+            </a:pPr>
+            <a:r>
+              <a:rPr lang="en-SG" sz="2200" dirty="0"/>
+              <a:t>Testing the App</a:t>
+            </a:r>
+          </a:p>
+          <a:p>
+            <a:pPr marL="857250" lvl="1" indent="-457200">
+              <a:spcBef>
+                <a:spcPts val="600"/>
+              </a:spcBef>
+              <a:buFont typeface="+mj-lt"/>
+              <a:buAutoNum type="arabicPeriod"/>
+            </a:pPr>
+            <a:r>
+              <a:rPr lang="en-SG" sz="2200" dirty="0"/>
+              <a:t>Deploying the App (not done)</a:t>
+            </a:r>
+          </a:p>
+          <a:p>
+            <a:pPr marL="857250" lvl="1" indent="-457200">
+              <a:spcBef>
+                <a:spcPts val="600"/>
+              </a:spcBef>
+              <a:buFont typeface="+mj-lt"/>
+              <a:buAutoNum type="arabicPeriod"/>
+            </a:pPr>
+            <a:r>
+              <a:rPr lang="en-SG" sz="2200" dirty="0"/>
+              <a:t>Documentation</a:t>
+            </a:r>
+          </a:p>
+          <a:p>
+            <a:endParaRPr lang="en-SG" sz="2400" dirty="0"/>
+          </a:p>
+        </p:txBody>
+      </p:sp>
+      <p:pic>
+        <p:nvPicPr>
+          <p:cNvPr id="5" name="Picture 4">
+            <a:extLst>
+              <a:ext uri="{FF2B5EF4-FFF2-40B4-BE49-F238E27FC236}">
+                <a16:creationId xmlns:a16="http://schemas.microsoft.com/office/drawing/2014/main" id="{7080CCFC-5F70-4658-8E20-6E55FE17BBCF}"/>
+              </a:ext>
+            </a:extLst>
+          </p:cNvPr>
+          <p:cNvPicPr>
+            <a:picLocks noChangeAspect="1"/>
+          </p:cNvPicPr>
+          <p:nvPr/>
+        </p:nvPicPr>
+        <p:blipFill>
+          <a:blip r:embed="rId2"/>
+          <a:stretch>
+            <a:fillRect/>
+          </a:stretch>
+        </p:blipFill>
+        <p:spPr>
+          <a:xfrm>
+            <a:off x="5899173" y="335403"/>
+            <a:ext cx="5793674" cy="1153370"/>
+          </a:xfrm>
+          <a:prstGeom prst="rect">
+            <a:avLst/>
+          </a:prstGeom>
+        </p:spPr>
+      </p:pic>
+      <p:pic>
+        <p:nvPicPr>
+          <p:cNvPr id="9" name="Picture 8">
+            <a:extLst>
+              <a:ext uri="{FF2B5EF4-FFF2-40B4-BE49-F238E27FC236}">
+                <a16:creationId xmlns:a16="http://schemas.microsoft.com/office/drawing/2014/main" id="{0AF6EBB5-4CA4-46A2-B6AC-6A6FB1ED8F40}"/>
+              </a:ext>
+            </a:extLst>
+          </p:cNvPr>
+          <p:cNvPicPr>
+            <a:picLocks noChangeAspect="1"/>
+          </p:cNvPicPr>
+          <p:nvPr/>
+        </p:nvPicPr>
+        <p:blipFill>
+          <a:blip r:embed="rId3"/>
+          <a:stretch>
+            <a:fillRect/>
+          </a:stretch>
+        </p:blipFill>
+        <p:spPr>
+          <a:xfrm>
+            <a:off x="6780132" y="1853248"/>
+            <a:ext cx="4031755" cy="4205021"/>
+          </a:xfrm>
+          <a:prstGeom prst="rect">
+            <a:avLst/>
+          </a:prstGeom>
+        </p:spPr>
+      </p:pic>
     </p:spTree>
     <p:extLst>
       <p:ext uri="{BB962C8B-B14F-4D97-AF65-F5344CB8AC3E}">
-        <p14:creationId xmlns:p14="http://schemas.microsoft.com/office/powerpoint/2010/main" val="4199896422"/>
+        <p14:creationId xmlns:p14="http://schemas.microsoft.com/office/powerpoint/2010/main" val="599145502"/>
       </p:ext>
     </p:extLst>
   </p:cSld>
@@ -7436,7 +8565,7 @@
           <p:cNvPr id="2" name="Title 1">
             <a:extLst>
               <a:ext uri="{FF2B5EF4-FFF2-40B4-BE49-F238E27FC236}">
-                <a16:creationId xmlns:a16="http://schemas.microsoft.com/office/drawing/2014/main" id="{596B45B4-6AF3-4195-AB8B-BAE6F7AB92E8}"/>
+                <a16:creationId xmlns:a16="http://schemas.microsoft.com/office/drawing/2014/main" id="{F0341DF8-3D9C-4197-A2AD-FE833F1C696C}"/>
               </a:ext>
             </a:extLst>
           </p:cNvPr>
@@ -7454,7 +8583,7 @@
           <a:p>
             <a:r>
               <a:rPr lang="en-SG" dirty="0"/>
-              <a:t>Data Inspection</a:t>
+              <a:t>Obtaining Data</a:t>
             </a:r>
             <a:endParaRPr lang="en-GB" dirty="0"/>
           </a:p>
@@ -7465,7 +8594,7 @@
           <p:cNvPr id="3" name="Content Placeholder 2">
             <a:extLst>
               <a:ext uri="{FF2B5EF4-FFF2-40B4-BE49-F238E27FC236}">
-                <a16:creationId xmlns:a16="http://schemas.microsoft.com/office/drawing/2014/main" id="{66054C13-88B9-4848-8438-1D7248612213}"/>
+                <a16:creationId xmlns:a16="http://schemas.microsoft.com/office/drawing/2014/main" id="{CEA3A6E2-1354-4CAF-BF93-D2BFC8EDADE5}"/>
               </a:ext>
             </a:extLst>
           </p:cNvPr>
@@ -7478,8 +8607,8 @@
         </p:nvSpPr>
         <p:spPr>
           <a:xfrm>
-            <a:off x="1141412" y="2249487"/>
-            <a:ext cx="4100439" cy="3715378"/>
+            <a:off x="1103312" y="2052918"/>
+            <a:ext cx="5318753" cy="4195481"/>
           </a:xfrm>
         </p:spPr>
         <p:txBody>
@@ -7488,19 +8617,41 @@
           <a:p>
             <a:r>
               <a:rPr lang="en-SG" dirty="0"/>
-              <a:t>The dataset contains common details like the month of approval, type of flat and floor area, etc.</a:t>
-            </a:r>
-          </a:p>
-          <a:p>
+              <a:t>The data was sourced from Kaggle at: </a:t>
+            </a:r>
+            <a:r>
+              <a:rPr lang="en-SG" dirty="0">
+                <a:hlinkClick r:id="rId2"/>
+              </a:rPr>
+              <a:t>https://www.kaggle.com/sveneschlbeck/resale-flat-prices-in-singapore</a:t>
+            </a:r>
             <a:r>
               <a:rPr lang="en-SG" dirty="0"/>
-              <a:t>Most of the columns are not quantitative</a:t>
+              <a:t> </a:t>
             </a:r>
           </a:p>
           <a:p>
             <a:r>
               <a:rPr lang="en-SG" dirty="0"/>
-              <a:t>There are no missing values</a:t>
+              <a:t>It is a resale housing prediction dataset based on Singapore</a:t>
+            </a:r>
+          </a:p>
+          <a:p>
+            <a:r>
+              <a:rPr lang="en-SG" dirty="0"/>
+              <a:t>It contains details such as floor area, type of flat, year of lease commencement and resale price</a:t>
+            </a:r>
+          </a:p>
+          <a:p>
+            <a:r>
+              <a:rPr lang="en-GB" dirty="0"/>
+              <a:t>The problem is a regression one</a:t>
+            </a:r>
+          </a:p>
+          <a:p>
+            <a:r>
+              <a:rPr lang="en-GB" dirty="0"/>
+              <a:t>For simplicity, a Linear Regression model was chosen</a:t>
             </a:r>
           </a:p>
         </p:txBody>
@@ -7510,7 +8661,7 @@
           <p:cNvPr id="5" name="Picture 4">
             <a:extLst>
               <a:ext uri="{FF2B5EF4-FFF2-40B4-BE49-F238E27FC236}">
-                <a16:creationId xmlns:a16="http://schemas.microsoft.com/office/drawing/2014/main" id="{F8698122-79D7-4303-846D-8847762692CD}"/>
+                <a16:creationId xmlns:a16="http://schemas.microsoft.com/office/drawing/2014/main" id="{5E8716D7-0D36-4362-A337-291C5B7E81A6}"/>
               </a:ext>
             </a:extLst>
           </p:cNvPr>
@@ -7520,15 +8671,15 @@
           <p:nvPr/>
         </p:nvPicPr>
         <p:blipFill>
-          <a:blip r:embed="rId2"/>
+          <a:blip r:embed="rId3"/>
           <a:stretch>
             <a:fillRect/>
           </a:stretch>
         </p:blipFill>
         <p:spPr>
           <a:xfrm>
-            <a:off x="6417685" y="1357803"/>
-            <a:ext cx="4629726" cy="4637380"/>
+            <a:off x="7083091" y="2052917"/>
+            <a:ext cx="4237020" cy="4195481"/>
           </a:xfrm>
           <a:prstGeom prst="rect">
             <a:avLst/>
@@ -7538,7 +8689,7 @@
     </p:spTree>
     <p:extLst>
       <p:ext uri="{BB962C8B-B14F-4D97-AF65-F5344CB8AC3E}">
-        <p14:creationId xmlns:p14="http://schemas.microsoft.com/office/powerpoint/2010/main" val="2191083607"/>
+        <p14:creationId xmlns:p14="http://schemas.microsoft.com/office/powerpoint/2010/main" val="2677666262"/>
       </p:ext>
     </p:extLst>
   </p:cSld>
@@ -7588,7 +8739,7 @@
           <a:p>
             <a:r>
               <a:rPr lang="en-SG" dirty="0"/>
-              <a:t>Exploratory Data analysis</a:t>
+              <a:t>Feature Engineering</a:t>
             </a:r>
             <a:endParaRPr lang="en-GB" dirty="0"/>
           </a:p>
@@ -7612,8 +8763,8 @@
         </p:nvSpPr>
         <p:spPr>
           <a:xfrm>
-            <a:off x="1141412" y="2249487"/>
-            <a:ext cx="4100439" cy="3715378"/>
+            <a:off x="1109514" y="2014340"/>
+            <a:ext cx="4483211" cy="4025257"/>
           </a:xfrm>
         </p:spPr>
         <p:txBody>
@@ -7622,29 +8773,65 @@
           <a:p>
             <a:r>
               <a:rPr lang="en-SG" dirty="0"/>
-              <a:t>The resale prices are very positively skewed</a:t>
+              <a:t>Anomalies (floor area &gt;= 200) were removed</a:t>
             </a:r>
           </a:p>
           <a:p>
             <a:r>
               <a:rPr lang="en-SG" dirty="0"/>
-              <a:t>The lowest recorded price is S$5000 while the highest can be more than S$600,000</a:t>
-            </a:r>
-          </a:p>
-          <a:p>
+              <a:t>Month was converted to date type and renamed to “</a:t>
+            </a:r>
+            <a:r>
+              <a:rPr lang="en-SG" dirty="0" err="1"/>
+              <a:t>approval_date</a:t>
+            </a:r>
             <a:r>
               <a:rPr lang="en-SG" dirty="0"/>
-              <a:t>The majority of flats are between S$100k and S$300k</a:t>
+              <a:t>”</a:t>
+            </a:r>
+          </a:p>
+          <a:p>
+            <a:r>
+              <a:rPr lang="en-SG" dirty="0"/>
+              <a:t>“</a:t>
+            </a:r>
+            <a:r>
+              <a:rPr lang="en-SG" dirty="0" err="1"/>
+              <a:t>lease_commence_date</a:t>
+            </a:r>
+            <a:r>
+              <a:rPr lang="en-SG" dirty="0"/>
+              <a:t>” was renamed to “</a:t>
+            </a:r>
+            <a:r>
+              <a:rPr lang="en-SG" dirty="0" err="1"/>
+              <a:t>lease_commencement_year</a:t>
+            </a:r>
+            <a:r>
+              <a:rPr lang="en-SG" dirty="0"/>
+              <a:t>”</a:t>
+            </a:r>
+          </a:p>
+          <a:p>
+            <a:r>
+              <a:rPr lang="en-SG" dirty="0"/>
+              <a:t>Number of bedrooms was extracted from the flat type</a:t>
+            </a:r>
+          </a:p>
+          <a:p>
+            <a:r>
+              <a:rPr lang="en-SG" dirty="0"/>
+              <a:t>Unused columns were dropped</a:t>
             </a:r>
           </a:p>
         </p:txBody>
       </p:sp>
       <p:pic>
         <p:nvPicPr>
-          <p:cNvPr id="6" name="Picture 5">
+          <p:cNvPr id="5" name="Picture 4">
             <a:extLst>
               <a:ext uri="{FF2B5EF4-FFF2-40B4-BE49-F238E27FC236}">
-                <a16:creationId xmlns:a16="http://schemas.microsoft.com/office/drawing/2014/main" id="{96EFB9DC-691C-424D-9EBE-B55C49E4C9D9}"/>
+                <a16:creationId xmlns:a16="http://schemas.microsoft.com/office/drawing/2014/main" id="{09F80961-5F8E-445F-87D7-87FD5D6CBE29}"/>
               </a:ext>
             </a:extLst>
           </p:cNvPr>
@@ -7661,8 +8848,8 @@
         </p:blipFill>
         <p:spPr>
           <a:xfrm>
-            <a:off x="6094412" y="2346805"/>
-            <a:ext cx="5114171" cy="3371886"/>
+            <a:off x="6096000" y="2014340"/>
+            <a:ext cx="5792008" cy="2829320"/>
           </a:xfrm>
           <a:prstGeom prst="rect">
             <a:avLst/>
@@ -7672,7 +8859,7 @@
     </p:spTree>
     <p:extLst>
       <p:ext uri="{BB962C8B-B14F-4D97-AF65-F5344CB8AC3E}">
-        <p14:creationId xmlns:p14="http://schemas.microsoft.com/office/powerpoint/2010/main" val="3832143010"/>
+        <p14:creationId xmlns:p14="http://schemas.microsoft.com/office/powerpoint/2010/main" val="2833500422"/>
       </p:ext>
     </p:extLst>
   </p:cSld>
@@ -7722,7 +8909,7 @@
           <a:p>
             <a:r>
               <a:rPr lang="en-SG" dirty="0"/>
-              <a:t>Feature Engineering</a:t>
+              <a:t>Machine Learning Model</a:t>
             </a:r>
             <a:endParaRPr lang="en-GB" dirty="0"/>
           </a:p>
@@ -7746,75 +8933,75 @@
         </p:nvSpPr>
         <p:spPr>
           <a:xfrm>
-            <a:off x="1109514" y="2014340"/>
-            <a:ext cx="4483211" cy="4025257"/>
-          </a:xfrm>
-        </p:spPr>
-        <p:txBody>
-          <a:bodyPr/>
+            <a:off x="646111" y="1435395"/>
+            <a:ext cx="5946075" cy="5192402"/>
+          </a:xfrm>
+        </p:spPr>
+        <p:txBody>
+          <a:bodyPr>
+            <a:normAutofit/>
+          </a:bodyPr>
           <a:lstStyle/>
           <a:p>
             <a:r>
               <a:rPr lang="en-SG" dirty="0"/>
-              <a:t>Anomalies (floor area &gt;= 200) were removed</a:t>
+              <a:t>A custom transformer was used to pre-process the approval date column, converting it to integer type before scaling</a:t>
             </a:r>
           </a:p>
           <a:p>
             <a:r>
               <a:rPr lang="en-SG" dirty="0"/>
-              <a:t>Month was converted to date type and renamed to “</a:t>
+              <a:t>A pipeline was used to integrate data pre-processing before predicting</a:t>
+            </a:r>
+          </a:p>
+          <a:p>
+            <a:r>
+              <a:rPr lang="en-SG" dirty="0"/>
+              <a:t>Using cross-validation, the ML pipeline scores 0.78 consistently</a:t>
+            </a:r>
+          </a:p>
+          <a:p>
+            <a:r>
+              <a:rPr lang="en-SG" dirty="0"/>
+              <a:t>The model was exported using </a:t>
             </a:r>
             <a:r>
               <a:rPr lang="en-SG" dirty="0" err="1"/>
-              <a:t>approval_date</a:t>
+              <a:t>cloudpickle</a:t>
             </a:r>
             <a:r>
               <a:rPr lang="en-SG" dirty="0"/>
-              <a:t>”</a:t>
+              <a:t>, an extension of pickle which is able to serialize non-default Python constructs</a:t>
             </a:r>
           </a:p>
           <a:p>
             <a:r>
               <a:rPr lang="en-SG" dirty="0"/>
-              <a:t>“</a:t>
+              <a:t>The input and output boundaries were also exported for data validation</a:t>
+            </a:r>
+          </a:p>
+          <a:p>
+            <a:r>
+              <a:rPr lang="en-SG" dirty="0"/>
+              <a:t>The binaries were then copied over to the application/static/</a:t>
             </a:r>
             <a:r>
               <a:rPr lang="en-SG" dirty="0" err="1"/>
-              <a:t>lease_commence_date</a:t>
+              <a:t>dist</a:t>
             </a:r>
             <a:r>
               <a:rPr lang="en-SG" dirty="0"/>
-              <a:t>” was renamed to “</a:t>
-            </a:r>
-            <a:r>
-              <a:rPr lang="en-SG" dirty="0" err="1"/>
-              <a:t>lease_commencement_year</a:t>
-            </a:r>
-            <a:r>
-              <a:rPr lang="en-SG" dirty="0"/>
-              <a:t>”</a:t>
-            </a:r>
-          </a:p>
-          <a:p>
-            <a:r>
-              <a:rPr lang="en-SG" dirty="0"/>
-              <a:t>Number of bedrooms was extracted from the flat type</a:t>
-            </a:r>
-          </a:p>
-          <a:p>
-            <a:r>
-              <a:rPr lang="en-SG" dirty="0"/>
-              <a:t>Unused columns were dropped</a:t>
+              <a:t> directory</a:t>
             </a:r>
           </a:p>
         </p:txBody>
       </p:sp>
       <p:pic>
         <p:nvPicPr>
-          <p:cNvPr id="5" name="Picture 4">
+          <p:cNvPr id="6" name="Picture 5">
             <a:extLst>
               <a:ext uri="{FF2B5EF4-FFF2-40B4-BE49-F238E27FC236}">
-                <a16:creationId xmlns:a16="http://schemas.microsoft.com/office/drawing/2014/main" id="{09F80961-5F8E-445F-87D7-87FD5D6CBE29}"/>
+                <a16:creationId xmlns:a16="http://schemas.microsoft.com/office/drawing/2014/main" id="{FA530CB8-3573-4EDB-82FD-C9BAF4BBDEC1}"/>
               </a:ext>
             </a:extLst>
           </p:cNvPr>
@@ -7831,8 +9018,98 @@
         </p:blipFill>
         <p:spPr>
           <a:xfrm>
-            <a:off x="6096000" y="2014340"/>
-            <a:ext cx="5792008" cy="2829320"/>
+            <a:off x="6592186" y="2915280"/>
+            <a:ext cx="5383103" cy="1334726"/>
+          </a:xfrm>
+          <a:prstGeom prst="rect">
+            <a:avLst/>
+          </a:prstGeom>
+        </p:spPr>
+      </p:pic>
+      <p:pic>
+        <p:nvPicPr>
+          <p:cNvPr id="8" name="Picture 7">
+            <a:extLst>
+              <a:ext uri="{FF2B5EF4-FFF2-40B4-BE49-F238E27FC236}">
+                <a16:creationId xmlns:a16="http://schemas.microsoft.com/office/drawing/2014/main" id="{55709669-6658-4844-938B-D39EBD13DD76}"/>
+              </a:ext>
+            </a:extLst>
+          </p:cNvPr>
+          <p:cNvPicPr>
+            <a:picLocks noChangeAspect="1"/>
+          </p:cNvPicPr>
+          <p:nvPr/>
+        </p:nvPicPr>
+        <p:blipFill>
+          <a:blip r:embed="rId3"/>
+          <a:stretch>
+            <a:fillRect/>
+          </a:stretch>
+        </p:blipFill>
+        <p:spPr>
+          <a:xfrm>
+            <a:off x="6592186" y="1435393"/>
+            <a:ext cx="5383103" cy="1400529"/>
+          </a:xfrm>
+          <a:prstGeom prst="rect">
+            <a:avLst/>
+          </a:prstGeom>
+        </p:spPr>
+      </p:pic>
+      <p:pic>
+        <p:nvPicPr>
+          <p:cNvPr id="10" name="Picture 9">
+            <a:extLst>
+              <a:ext uri="{FF2B5EF4-FFF2-40B4-BE49-F238E27FC236}">
+                <a16:creationId xmlns:a16="http://schemas.microsoft.com/office/drawing/2014/main" id="{66F56DBA-0183-4EA1-8352-6C36B0A4CD59}"/>
+              </a:ext>
+            </a:extLst>
+          </p:cNvPr>
+          <p:cNvPicPr>
+            <a:picLocks noChangeAspect="1"/>
+          </p:cNvPicPr>
+          <p:nvPr/>
+        </p:nvPicPr>
+        <p:blipFill>
+          <a:blip r:embed="rId4"/>
+          <a:stretch>
+            <a:fillRect/>
+          </a:stretch>
+        </p:blipFill>
+        <p:spPr>
+          <a:xfrm>
+            <a:off x="6592186" y="4329364"/>
+            <a:ext cx="5383103" cy="301207"/>
+          </a:xfrm>
+          <a:prstGeom prst="rect">
+            <a:avLst/>
+          </a:prstGeom>
+        </p:spPr>
+      </p:pic>
+      <p:pic>
+        <p:nvPicPr>
+          <p:cNvPr id="9" name="Picture 8">
+            <a:extLst>
+              <a:ext uri="{FF2B5EF4-FFF2-40B4-BE49-F238E27FC236}">
+                <a16:creationId xmlns:a16="http://schemas.microsoft.com/office/drawing/2014/main" id="{7E784060-315C-41F8-A39B-8E59ED7C3917}"/>
+              </a:ext>
+            </a:extLst>
+          </p:cNvPr>
+          <p:cNvPicPr>
+            <a:picLocks noChangeAspect="1"/>
+          </p:cNvPicPr>
+          <p:nvPr/>
+        </p:nvPicPr>
+        <p:blipFill>
+          <a:blip r:embed="rId5"/>
+          <a:stretch>
+            <a:fillRect/>
+          </a:stretch>
+        </p:blipFill>
+        <p:spPr>
+          <a:xfrm>
+            <a:off x="6592186" y="4709929"/>
+            <a:ext cx="5383103" cy="1580597"/>
           </a:xfrm>
           <a:prstGeom prst="rect">
             <a:avLst/>
@@ -7842,7 +9119,7 @@
     </p:spTree>
     <p:extLst>
       <p:ext uri="{BB962C8B-B14F-4D97-AF65-F5344CB8AC3E}">
-        <p14:creationId xmlns:p14="http://schemas.microsoft.com/office/powerpoint/2010/main" val="2833500422"/>
+        <p14:creationId xmlns:p14="http://schemas.microsoft.com/office/powerpoint/2010/main" val="2198337763"/>
       </p:ext>
     </p:extLst>
   </p:cSld>
@@ -7892,7 +9169,7 @@
           <a:p>
             <a:r>
               <a:rPr lang="en-SG" dirty="0"/>
-              <a:t>Machine Learning Model</a:t>
+              <a:t>Website Wireframe</a:t>
             </a:r>
             <a:endParaRPr lang="en-GB" dirty="0"/>
           </a:p>
@@ -7916,8 +9193,8 @@
         </p:nvSpPr>
         <p:spPr>
           <a:xfrm>
-            <a:off x="1024453" y="1853248"/>
-            <a:ext cx="4483211" cy="4524683"/>
+            <a:off x="794968" y="1685578"/>
+            <a:ext cx="4744595" cy="4719704"/>
           </a:xfrm>
         </p:spPr>
         <p:txBody>
@@ -7928,35 +9205,105 @@
           <a:p>
             <a:r>
               <a:rPr lang="en-SG" dirty="0"/>
-              <a:t>Only 4 features were retained: floor area, bedrooms, approval date and lease commencement year</a:t>
-            </a:r>
-          </a:p>
-          <a:p>
+              <a:t>The wireframe was made using diagrams.net, and saved as a .</a:t>
+            </a:r>
+            <a:r>
+              <a:rPr lang="en-SG" dirty="0" err="1"/>
+              <a:t>drawio</a:t>
+            </a:r>
             <a:r>
               <a:rPr lang="en-SG" dirty="0"/>
-              <a:t>A custom transformer was used to pre-process the approval date column, converting it to integer type</a:t>
+              <a:t> file under doc/</a:t>
             </a:r>
           </a:p>
           <a:p>
             <a:r>
               <a:rPr lang="en-SG" dirty="0"/>
-              <a:t>A pipeline was used to integrate data pre-processing before predicting</a:t>
-            </a:r>
-          </a:p>
-          <a:p>
+              <a:t> The wireframe depicted 5 pages:</a:t>
+            </a:r>
+          </a:p>
+          <a:p>
+            <a:pPr marL="857250" lvl="1" indent="-457200">
+              <a:buFont typeface="+mj-lt"/>
+              <a:buAutoNum type="arabicPeriod"/>
+            </a:pPr>
             <a:r>
               <a:rPr lang="en-SG" dirty="0"/>
-              <a:t>Using cross-validation, the ML pipeline scores 0.78 consistently</a:t>
+              <a:t>Login Page</a:t>
+            </a:r>
+          </a:p>
+          <a:p>
+            <a:pPr marL="857250" lvl="1" indent="-457200">
+              <a:spcBef>
+                <a:spcPts val="300"/>
+              </a:spcBef>
+              <a:buFont typeface="+mj-lt"/>
+              <a:buAutoNum type="arabicPeriod"/>
+            </a:pPr>
+            <a:r>
+              <a:rPr lang="en-SG" dirty="0"/>
+              <a:t>Sign-Up Page</a:t>
+            </a:r>
+          </a:p>
+          <a:p>
+            <a:pPr marL="857250" lvl="1" indent="-457200">
+              <a:spcBef>
+                <a:spcPts val="300"/>
+              </a:spcBef>
+              <a:buFont typeface="+mj-lt"/>
+              <a:buAutoNum type="arabicPeriod"/>
+            </a:pPr>
+            <a:r>
+              <a:rPr lang="en-SG" dirty="0"/>
+              <a:t>About Page</a:t>
+            </a:r>
+          </a:p>
+          <a:p>
+            <a:pPr marL="857250" lvl="1" indent="-457200">
+              <a:spcBef>
+                <a:spcPts val="300"/>
+              </a:spcBef>
+              <a:buFont typeface="+mj-lt"/>
+              <a:buAutoNum type="arabicPeriod"/>
+            </a:pPr>
+            <a:r>
+              <a:rPr lang="en-SG" dirty="0"/>
+              <a:t>Home (new prediction) Page</a:t>
+            </a:r>
+          </a:p>
+          <a:p>
+            <a:pPr marL="857250" lvl="1" indent="-457200">
+              <a:spcBef>
+                <a:spcPts val="300"/>
+              </a:spcBef>
+              <a:buFont typeface="+mj-lt"/>
+              <a:buAutoNum type="arabicPeriod"/>
+            </a:pPr>
+            <a:r>
+              <a:rPr lang="en-SG" dirty="0"/>
+              <a:t>Home (prediction history) Page</a:t>
+            </a:r>
+          </a:p>
+          <a:p>
+            <a:r>
+              <a:rPr lang="en-SG" dirty="0"/>
+              <a:t>The UI for the application mostly followed the wireframe</a:t>
+            </a:r>
+          </a:p>
+          <a:p>
+            <a:r>
+              <a:rPr lang="en-SG" dirty="0"/>
+              <a:t>However, some unplanned changes were made later on</a:t>
             </a:r>
           </a:p>
         </p:txBody>
       </p:sp>
       <p:pic>
         <p:nvPicPr>
-          <p:cNvPr id="6" name="Picture 5">
+          <p:cNvPr id="5" name="Picture 4">
             <a:extLst>
               <a:ext uri="{FF2B5EF4-FFF2-40B4-BE49-F238E27FC236}">
-                <a16:creationId xmlns:a16="http://schemas.microsoft.com/office/drawing/2014/main" id="{FA530CB8-3573-4EDB-82FD-C9BAF4BBDEC1}"/>
+                <a16:creationId xmlns:a16="http://schemas.microsoft.com/office/drawing/2014/main" id="{916931ED-EAF8-47BF-A21D-BAAC59B3EA71}"/>
               </a:ext>
             </a:extLst>
           </p:cNvPr>
@@ -7973,68 +9320,8 @@
         </p:blipFill>
         <p:spPr>
           <a:xfrm>
-            <a:off x="6012858" y="3651337"/>
-            <a:ext cx="5801535" cy="1438476"/>
-          </a:xfrm>
-          <a:prstGeom prst="rect">
-            <a:avLst/>
-          </a:prstGeom>
-        </p:spPr>
-      </p:pic>
-      <p:pic>
-        <p:nvPicPr>
-          <p:cNvPr id="8" name="Picture 7">
-            <a:extLst>
-              <a:ext uri="{FF2B5EF4-FFF2-40B4-BE49-F238E27FC236}">
-                <a16:creationId xmlns:a16="http://schemas.microsoft.com/office/drawing/2014/main" id="{55709669-6658-4844-938B-D39EBD13DD76}"/>
-              </a:ext>
-            </a:extLst>
-          </p:cNvPr>
-          <p:cNvPicPr>
-            <a:picLocks noChangeAspect="1"/>
-          </p:cNvPicPr>
-          <p:nvPr/>
-        </p:nvPicPr>
-        <p:blipFill>
-          <a:blip r:embed="rId3"/>
-          <a:stretch>
-            <a:fillRect/>
-          </a:stretch>
-        </p:blipFill>
-        <p:spPr>
-          <a:xfrm>
-            <a:off x="6012858" y="2056883"/>
-            <a:ext cx="5801535" cy="1509393"/>
-          </a:xfrm>
-          <a:prstGeom prst="rect">
-            <a:avLst/>
-          </a:prstGeom>
-        </p:spPr>
-      </p:pic>
-      <p:pic>
-        <p:nvPicPr>
-          <p:cNvPr id="10" name="Picture 9">
-            <a:extLst>
-              <a:ext uri="{FF2B5EF4-FFF2-40B4-BE49-F238E27FC236}">
-                <a16:creationId xmlns:a16="http://schemas.microsoft.com/office/drawing/2014/main" id="{66F56DBA-0183-4EA1-8352-6C36B0A4CD59}"/>
-              </a:ext>
-            </a:extLst>
-          </p:cNvPr>
-          <p:cNvPicPr>
-            <a:picLocks noChangeAspect="1"/>
-          </p:cNvPicPr>
-          <p:nvPr/>
-        </p:nvPicPr>
-        <p:blipFill>
-          <a:blip r:embed="rId4"/>
-          <a:stretch>
-            <a:fillRect/>
-          </a:stretch>
-        </p:blipFill>
-        <p:spPr>
-          <a:xfrm>
-            <a:off x="6012857" y="5174874"/>
-            <a:ext cx="5801535" cy="324620"/>
+            <a:off x="6096000" y="1853248"/>
+            <a:ext cx="5081894" cy="3943328"/>
           </a:xfrm>
           <a:prstGeom prst="rect">
             <a:avLst/>
@@ -8044,7 +9331,7 @@
     </p:spTree>
     <p:extLst>
       <p:ext uri="{BB962C8B-B14F-4D97-AF65-F5344CB8AC3E}">
-        <p14:creationId xmlns:p14="http://schemas.microsoft.com/office/powerpoint/2010/main" val="2198337763"/>
+        <p14:creationId xmlns:p14="http://schemas.microsoft.com/office/powerpoint/2010/main" val="4199896422"/>
       </p:ext>
     </p:extLst>
   </p:cSld>
@@ -8094,7 +9381,7 @@
           <a:p>
             <a:r>
               <a:rPr lang="en-SG" dirty="0"/>
-              <a:t>Exporting the Models</a:t>
+              <a:t>User Interface</a:t>
             </a:r>
             <a:endParaRPr lang="en-GB" dirty="0"/>
           </a:p>
@@ -8118,57 +9405,67 @@
         </p:nvSpPr>
         <p:spPr>
           <a:xfrm>
-            <a:off x="646111" y="4477862"/>
-            <a:ext cx="9731266" cy="1900069"/>
+            <a:off x="773702" y="1853248"/>
+            <a:ext cx="6371376" cy="4350622"/>
           </a:xfrm>
         </p:spPr>
         <p:txBody>
           <a:bodyPr>
-            <a:normAutofit/>
+            <a:normAutofit fontScale="92500"/>
           </a:bodyPr>
           <a:lstStyle/>
           <a:p>
-            <a:r>
-              <a:rPr lang="en-SG" dirty="0"/>
-              <a:t>I used </a:t>
-            </a:r>
-            <a:r>
-              <a:rPr lang="en-SG" dirty="0" err="1"/>
-              <a:t>cloudpickle</a:t>
-            </a:r>
-            <a:r>
-              <a:rPr lang="en-SG" dirty="0"/>
-              <a:t> to export the models as it is able to serialize non-default Python constructs, such as the custom transformer and ML pipeline</a:t>
-            </a:r>
-          </a:p>
-          <a:p>
-            <a:r>
-              <a:rPr lang="en-SG" dirty="0"/>
-              <a:t>The input and output boundaries were also exported for data validation</a:t>
-            </a:r>
-          </a:p>
-          <a:p>
-            <a:r>
-              <a:rPr lang="en-SG" dirty="0"/>
-              <a:t>The binaries were then copied over to the application/static/</a:t>
-            </a:r>
-            <a:r>
-              <a:rPr lang="en-SG" dirty="0" err="1"/>
-              <a:t>dist</a:t>
-            </a:r>
-            <a:r>
-              <a:rPr lang="en-SG" dirty="0"/>
-              <a:t> directory</a:t>
+            <a:pPr>
+              <a:spcBef>
+                <a:spcPts val="1800"/>
+              </a:spcBef>
+            </a:pPr>
+            <a:r>
+              <a:rPr lang="en-SG" sz="2400" dirty="0"/>
+              <a:t>The application was developed using the Flask micro-framework</a:t>
+            </a:r>
+          </a:p>
+          <a:p>
+            <a:pPr>
+              <a:spcBef>
+                <a:spcPts val="1800"/>
+              </a:spcBef>
+            </a:pPr>
+            <a:r>
+              <a:rPr lang="en-SG" sz="2400" dirty="0"/>
+              <a:t>An application factory design was used to accommodate various configurations</a:t>
+            </a:r>
+          </a:p>
+          <a:p>
+            <a:pPr>
+              <a:spcBef>
+                <a:spcPts val="1800"/>
+              </a:spcBef>
+            </a:pPr>
+            <a:r>
+              <a:rPr lang="en-SG" sz="2400" dirty="0"/>
+              <a:t>Blueprints were used to implement the controllers in a modular fashion</a:t>
+            </a:r>
+          </a:p>
+          <a:p>
+            <a:pPr>
+              <a:spcBef>
+                <a:spcPts val="1800"/>
+              </a:spcBef>
+            </a:pPr>
+            <a:r>
+              <a:rPr lang="en-SG" sz="2400" dirty="0"/>
+              <a:t>Using Jinja’s templating engine, layout.html defined a standard structure for the web pages and macros were used to replace repetitive HTML</a:t>
             </a:r>
           </a:p>
         </p:txBody>
       </p:sp>
       <p:pic>
         <p:nvPicPr>
-          <p:cNvPr id="5" name="Picture 4">
+          <p:cNvPr id="6" name="Picture 5">
             <a:extLst>
               <a:ext uri="{FF2B5EF4-FFF2-40B4-BE49-F238E27FC236}">
-                <a16:creationId xmlns:a16="http://schemas.microsoft.com/office/drawing/2014/main" id="{FFBAB1C3-469B-4D68-9A67-ED7C0946198D}"/>
+                <a16:creationId xmlns:a16="http://schemas.microsoft.com/office/drawing/2014/main" id="{360DB366-10AC-4DCC-A2E0-E5E3ADF80F30}"/>
               </a:ext>
             </a:extLst>
           </p:cNvPr>
@@ -8185,8 +9482,68 @@
         </p:blipFill>
         <p:spPr>
           <a:xfrm>
-            <a:off x="646111" y="1509386"/>
-            <a:ext cx="7021544" cy="2626704"/>
+            <a:off x="7743745" y="338336"/>
+            <a:ext cx="3575628" cy="2005323"/>
+          </a:xfrm>
+          <a:prstGeom prst="rect">
+            <a:avLst/>
+          </a:prstGeom>
+        </p:spPr>
+      </p:pic>
+      <p:pic>
+        <p:nvPicPr>
+          <p:cNvPr id="8" name="Picture 7">
+            <a:extLst>
+              <a:ext uri="{FF2B5EF4-FFF2-40B4-BE49-F238E27FC236}">
+                <a16:creationId xmlns:a16="http://schemas.microsoft.com/office/drawing/2014/main" id="{6FE7F9FE-F41E-4491-8BB1-1B3C984DF86B}"/>
+              </a:ext>
+            </a:extLst>
+          </p:cNvPr>
+          <p:cNvPicPr>
+            <a:picLocks noChangeAspect="1"/>
+          </p:cNvPicPr>
+          <p:nvPr/>
+        </p:nvPicPr>
+        <p:blipFill>
+          <a:blip r:embed="rId3"/>
+          <a:stretch>
+            <a:fillRect/>
+          </a:stretch>
+        </p:blipFill>
+        <p:spPr>
+          <a:xfrm>
+            <a:off x="7743745" y="2566084"/>
+            <a:ext cx="3575628" cy="1948258"/>
+          </a:xfrm>
+          <a:prstGeom prst="rect">
+            <a:avLst/>
+          </a:prstGeom>
+        </p:spPr>
+      </p:pic>
+      <p:pic>
+        <p:nvPicPr>
+          <p:cNvPr id="10" name="Picture 9">
+            <a:extLst>
+              <a:ext uri="{FF2B5EF4-FFF2-40B4-BE49-F238E27FC236}">
+                <a16:creationId xmlns:a16="http://schemas.microsoft.com/office/drawing/2014/main" id="{03F0D9D3-1DA5-4068-9608-6F842784A326}"/>
+              </a:ext>
+            </a:extLst>
+          </p:cNvPr>
+          <p:cNvPicPr>
+            <a:picLocks noChangeAspect="1"/>
+          </p:cNvPicPr>
+          <p:nvPr/>
+        </p:nvPicPr>
+        <p:blipFill>
+          <a:blip r:embed="rId4"/>
+          <a:stretch>
+            <a:fillRect/>
+          </a:stretch>
+        </p:blipFill>
+        <p:spPr>
+          <a:xfrm>
+            <a:off x="7743745" y="4737187"/>
+            <a:ext cx="3575628" cy="1782477"/>
           </a:xfrm>
           <a:prstGeom prst="rect">
             <a:avLst/>
@@ -8196,7 +9553,7 @@
     </p:spTree>
     <p:extLst>
       <p:ext uri="{BB962C8B-B14F-4D97-AF65-F5344CB8AC3E}">
-        <p14:creationId xmlns:p14="http://schemas.microsoft.com/office/powerpoint/2010/main" val="4010386266"/>
+        <p14:creationId xmlns:p14="http://schemas.microsoft.com/office/powerpoint/2010/main" val="1049131624"/>
       </p:ext>
     </p:extLst>
   </p:cSld>
@@ -8246,7 +9603,7 @@
           <a:p>
             <a:r>
               <a:rPr lang="en-SG" dirty="0"/>
-              <a:t>Exporting the Models</a:t>
+              <a:t>Backend – Send in Prediction</a:t>
             </a:r>
             <a:endParaRPr lang="en-GB" dirty="0"/>
           </a:p>
@@ -8270,8 +9627,8 @@
         </p:nvSpPr>
         <p:spPr>
           <a:xfrm>
-            <a:off x="646111" y="4477862"/>
-            <a:ext cx="9731266" cy="1900069"/>
+            <a:off x="773702" y="2052084"/>
+            <a:ext cx="4972766" cy="4151786"/>
           </a:xfrm>
         </p:spPr>
         <p:txBody>
@@ -8280,37 +9637,36 @@
           </a:bodyPr>
           <a:lstStyle/>
           <a:p>
-            <a:r>
-              <a:rPr lang="en-SG" dirty="0"/>
-              <a:t>I used </a:t>
-            </a:r>
-            <a:r>
-              <a:rPr lang="en-SG" dirty="0" err="1"/>
-              <a:t>cloudpickle</a:t>
-            </a:r>
-            <a:r>
-              <a:rPr lang="en-SG" dirty="0"/>
-              <a:t> to export the models as it is able to serialize non-default Python constructs, such as the custom transformer and ML pipeline</a:t>
-            </a:r>
-          </a:p>
-          <a:p>
-            <a:r>
-              <a:rPr lang="en-SG" dirty="0"/>
-              <a:t>The input and output boundaries were also exported for data validation</a:t>
-            </a:r>
-          </a:p>
-          <a:p>
-            <a:r>
-              <a:rPr lang="en-SG" dirty="0"/>
-              <a:t>The binaries were then copied over to the application/static/</a:t>
-            </a:r>
-            <a:r>
-              <a:rPr lang="en-SG" dirty="0" err="1"/>
-              <a:t>dist</a:t>
-            </a:r>
-            <a:r>
-              <a:rPr lang="en-SG" dirty="0"/>
-              <a:t> directory</a:t>
+            <a:pPr>
+              <a:spcBef>
+                <a:spcPts val="1800"/>
+              </a:spcBef>
+            </a:pPr>
+            <a:r>
+              <a:rPr lang="en-SG" sz="2400" dirty="0"/>
+              <a:t>Flask WTF module was used to implement the prediction form</a:t>
+            </a:r>
+          </a:p>
+          <a:p>
+            <a:pPr>
+              <a:spcBef>
+                <a:spcPts val="1800"/>
+              </a:spcBef>
+            </a:pPr>
+            <a:r>
+              <a:rPr lang="en-SG" sz="2400" dirty="0"/>
+              <a:t>Default validators and custom validators were used to prevent users from entering invalid data</a:t>
+            </a:r>
+          </a:p>
+          <a:p>
+            <a:pPr>
+              <a:spcBef>
+                <a:spcPts val="1800"/>
+              </a:spcBef>
+            </a:pPr>
+            <a:r>
+              <a:rPr lang="en-SG" sz="2400" dirty="0"/>
+              <a:t>The form is posted to the endpoint /predict</a:t>
             </a:r>
           </a:p>
         </p:txBody>
@@ -8320,7 +9676,7 @@
           <p:cNvPr id="5" name="Picture 4">
             <a:extLst>
               <a:ext uri="{FF2B5EF4-FFF2-40B4-BE49-F238E27FC236}">
-                <a16:creationId xmlns:a16="http://schemas.microsoft.com/office/drawing/2014/main" id="{FFBAB1C3-469B-4D68-9A67-ED7C0946198D}"/>
+                <a16:creationId xmlns:a16="http://schemas.microsoft.com/office/drawing/2014/main" id="{7DC37A22-0223-48A8-B816-F8D185F6E329}"/>
               </a:ext>
             </a:extLst>
           </p:cNvPr>
@@ -8337,8 +9693,38 @@
         </p:blipFill>
         <p:spPr>
           <a:xfrm>
-            <a:off x="646111" y="1509386"/>
-            <a:ext cx="7021544" cy="2626704"/>
+            <a:off x="6573123" y="1543667"/>
+            <a:ext cx="4972766" cy="1760581"/>
+          </a:xfrm>
+          <a:prstGeom prst="rect">
+            <a:avLst/>
+          </a:prstGeom>
+        </p:spPr>
+      </p:pic>
+      <p:pic>
+        <p:nvPicPr>
+          <p:cNvPr id="9" name="Picture 8">
+            <a:extLst>
+              <a:ext uri="{FF2B5EF4-FFF2-40B4-BE49-F238E27FC236}">
+                <a16:creationId xmlns:a16="http://schemas.microsoft.com/office/drawing/2014/main" id="{63271A2C-94EE-406F-B047-83D2DF299E8D}"/>
+              </a:ext>
+            </a:extLst>
+          </p:cNvPr>
+          <p:cNvPicPr>
+            <a:picLocks noChangeAspect="1"/>
+          </p:cNvPicPr>
+          <p:nvPr/>
+        </p:nvPicPr>
+        <p:blipFill>
+          <a:blip r:embed="rId3"/>
+          <a:stretch>
+            <a:fillRect/>
+          </a:stretch>
+        </p:blipFill>
+        <p:spPr>
+          <a:xfrm>
+            <a:off x="7434928" y="3553753"/>
+            <a:ext cx="3249155" cy="2768888"/>
           </a:xfrm>
           <a:prstGeom prst="rect">
             <a:avLst/>
@@ -8348,7 +9734,7 @@
     </p:spTree>
     <p:extLst>
       <p:ext uri="{BB962C8B-B14F-4D97-AF65-F5344CB8AC3E}">
-        <p14:creationId xmlns:p14="http://schemas.microsoft.com/office/powerpoint/2010/main" val="3965817023"/>
+        <p14:creationId xmlns:p14="http://schemas.microsoft.com/office/powerpoint/2010/main" val="1891851640"/>
       </p:ext>
     </p:extLst>
   </p:cSld>

--- a/doc/slides.pptx
+++ b/doc/slides.pptx
@@ -8983,7 +8983,7 @@
           <a:p>
             <a:r>
               <a:rPr lang="en-SG" dirty="0"/>
-              <a:t>The binaries were then copied over to the application/static/</a:t>
+              <a:t>The binaries were then copied over to the app/static/</a:t>
             </a:r>
             <a:r>
               <a:rPr lang="en-SG" dirty="0" err="1"/>
